--- a/in_vitro_free_energy/free_energy.pptx
+++ b/in_vitro_free_energy/free_energy.pptx
@@ -6,11 +6,13 @@
   </p:sldMasterIdLst>
   <p:sldIdLst>
     <p:sldId id="256" r:id="rId2"/>
-    <p:sldId id="257" r:id="rId3"/>
-    <p:sldId id="261" r:id="rId4"/>
-    <p:sldId id="260" r:id="rId5"/>
-    <p:sldId id="259" r:id="rId6"/>
-    <p:sldId id="258" r:id="rId7"/>
+    <p:sldId id="262" r:id="rId3"/>
+    <p:sldId id="257" r:id="rId4"/>
+    <p:sldId id="263" r:id="rId5"/>
+    <p:sldId id="261" r:id="rId6"/>
+    <p:sldId id="260" r:id="rId7"/>
+    <p:sldId id="259" r:id="rId8"/>
+    <p:sldId id="258" r:id="rId9"/>
   </p:sldIdLst>
   <p:sldSz cx="12192000" cy="6858000"/>
   <p:notesSz cx="6858000" cy="9144000"/>
@@ -109,6 +111,11 @@
       </a:defRPr>
     </a:lvl9pPr>
   </p:defaultTextStyle>
+  <p:extLst>
+    <p:ext uri="{EFAFB233-063F-42B5-8137-9DF3F51BA10A}">
+      <p15:sldGuideLst xmlns:p15="http://schemas.microsoft.com/office/powerpoint/2012/main"/>
+    </p:ext>
+  </p:extLst>
 </p:presentation>
 </file>
 
@@ -259,7 +266,7 @@
           <a:p>
             <a:fld id="{9C11B8A5-06CC-4117-B47C-AE4C4D0D4FA3}" type="datetimeFigureOut">
               <a:rPr lang="en-US" smtClean="0"/>
-              <a:t>5/27/2024</a:t>
+              <a:t>5/28/2024</a:t>
             </a:fld>
             <a:endParaRPr lang="en-US"/>
           </a:p>
@@ -457,7 +464,7 @@
           <a:p>
             <a:fld id="{9C11B8A5-06CC-4117-B47C-AE4C4D0D4FA3}" type="datetimeFigureOut">
               <a:rPr lang="en-US" smtClean="0"/>
-              <a:t>5/27/2024</a:t>
+              <a:t>5/28/2024</a:t>
             </a:fld>
             <a:endParaRPr lang="en-US"/>
           </a:p>
@@ -665,7 +672,7 @@
           <a:p>
             <a:fld id="{9C11B8A5-06CC-4117-B47C-AE4C4D0D4FA3}" type="datetimeFigureOut">
               <a:rPr lang="en-US" smtClean="0"/>
-              <a:t>5/27/2024</a:t>
+              <a:t>5/28/2024</a:t>
             </a:fld>
             <a:endParaRPr lang="en-US"/>
           </a:p>
@@ -863,7 +870,7 @@
           <a:p>
             <a:fld id="{9C11B8A5-06CC-4117-B47C-AE4C4D0D4FA3}" type="datetimeFigureOut">
               <a:rPr lang="en-US" smtClean="0"/>
-              <a:t>5/27/2024</a:t>
+              <a:t>5/28/2024</a:t>
             </a:fld>
             <a:endParaRPr lang="en-US"/>
           </a:p>
@@ -1138,7 +1145,7 @@
           <a:p>
             <a:fld id="{9C11B8A5-06CC-4117-B47C-AE4C4D0D4FA3}" type="datetimeFigureOut">
               <a:rPr lang="en-US" smtClean="0"/>
-              <a:t>5/27/2024</a:t>
+              <a:t>5/28/2024</a:t>
             </a:fld>
             <a:endParaRPr lang="en-US"/>
           </a:p>
@@ -1403,7 +1410,7 @@
           <a:p>
             <a:fld id="{9C11B8A5-06CC-4117-B47C-AE4C4D0D4FA3}" type="datetimeFigureOut">
               <a:rPr lang="en-US" smtClean="0"/>
-              <a:t>5/27/2024</a:t>
+              <a:t>5/28/2024</a:t>
             </a:fld>
             <a:endParaRPr lang="en-US"/>
           </a:p>
@@ -1815,7 +1822,7 @@
           <a:p>
             <a:fld id="{9C11B8A5-06CC-4117-B47C-AE4C4D0D4FA3}" type="datetimeFigureOut">
               <a:rPr lang="en-US" smtClean="0"/>
-              <a:t>5/27/2024</a:t>
+              <a:t>5/28/2024</a:t>
             </a:fld>
             <a:endParaRPr lang="en-US"/>
           </a:p>
@@ -1956,7 +1963,7 @@
           <a:p>
             <a:fld id="{9C11B8A5-06CC-4117-B47C-AE4C4D0D4FA3}" type="datetimeFigureOut">
               <a:rPr lang="en-US" smtClean="0"/>
-              <a:t>5/27/2024</a:t>
+              <a:t>5/28/2024</a:t>
             </a:fld>
             <a:endParaRPr lang="en-US"/>
           </a:p>
@@ -2069,7 +2076,7 @@
           <a:p>
             <a:fld id="{9C11B8A5-06CC-4117-B47C-AE4C4D0D4FA3}" type="datetimeFigureOut">
               <a:rPr lang="en-US" smtClean="0"/>
-              <a:t>5/27/2024</a:t>
+              <a:t>5/28/2024</a:t>
             </a:fld>
             <a:endParaRPr lang="en-US"/>
           </a:p>
@@ -2380,7 +2387,7 @@
           <a:p>
             <a:fld id="{9C11B8A5-06CC-4117-B47C-AE4C4D0D4FA3}" type="datetimeFigureOut">
               <a:rPr lang="en-US" smtClean="0"/>
-              <a:t>5/27/2024</a:t>
+              <a:t>5/28/2024</a:t>
             </a:fld>
             <a:endParaRPr lang="en-US"/>
           </a:p>
@@ -2668,7 +2675,7 @@
           <a:p>
             <a:fld id="{9C11B8A5-06CC-4117-B47C-AE4C4D0D4FA3}" type="datetimeFigureOut">
               <a:rPr lang="en-US" smtClean="0"/>
-              <a:t>5/27/2024</a:t>
+              <a:t>5/28/2024</a:t>
             </a:fld>
             <a:endParaRPr lang="en-US"/>
           </a:p>
@@ -2909,7 +2916,7 @@
           <a:p>
             <a:fld id="{9C11B8A5-06CC-4117-B47C-AE4C4D0D4FA3}" type="datetimeFigureOut">
               <a:rPr lang="en-US" smtClean="0"/>
-              <a:t>5/27/2024</a:t>
+              <a:t>5/28/2024</a:t>
             </a:fld>
             <a:endParaRPr lang="en-US"/>
           </a:p>
@@ -3428,9 +3435,10 @@
           <a:lstStyle/>
           <a:p>
             <a:r>
-              <a:rPr lang="en-US" dirty="0"/>
-              <a:t>Free Energy Principle</a:t>
-            </a:r>
+              <a:rPr lang="en-US"/>
+              <a:t>Friston</a:t>
+            </a:r>
+            <a:endParaRPr lang="en-US" dirty="0"/>
           </a:p>
         </p:txBody>
       </p:sp>
@@ -3462,7 +3470,7 @@
     </p:spTree>
     <p:extLst>
       <p:ext uri="{BB962C8B-B14F-4D97-AF65-F5344CB8AC3E}">
-        <p14:creationId xmlns:p14="http://schemas.microsoft.com/office/powerpoint/2010/main" val="2011825455"/>
+        <p14:creationId xmlns:p14="http://schemas.microsoft.com/office/powerpoint/2010/main" val="2049084298"/>
       </p:ext>
     </p:extLst>
   </p:cSld>
@@ -3511,10 +3519,9 @@
           <a:lstStyle/>
           <a:p>
             <a:r>
-              <a:rPr lang="en-US"/>
-              <a:t>Friston</a:t>
-            </a:r>
-            <a:endParaRPr lang="en-US" dirty="0"/>
+              <a:rPr lang="en-US" dirty="0"/>
+              <a:t>Free Energy Principle</a:t>
+            </a:r>
           </a:p>
         </p:txBody>
       </p:sp>
@@ -3539,14 +3546,30 @@
           <a:bodyPr/>
           <a:lstStyle/>
           <a:p>
-            <a:endParaRPr lang="en-US"/>
+            <a:r>
+              <a:rPr lang="en-US" dirty="0"/>
+              <a:t>“Surprise” = Entropy</a:t>
+            </a:r>
+          </a:p>
+          <a:p>
+            <a:r>
+              <a:rPr lang="en-US" dirty="0"/>
+              <a:t>“Belief” = Free energy minimization</a:t>
+            </a:r>
+          </a:p>
+          <a:p>
+            <a:pPr lvl="1"/>
+            <a:r>
+              <a:rPr lang="en-US" dirty="0"/>
+              <a:t>Isomura (2023) asserts that belief is encoded in synaptic strength</a:t>
+            </a:r>
           </a:p>
         </p:txBody>
       </p:sp>
     </p:spTree>
     <p:extLst>
       <p:ext uri="{BB962C8B-B14F-4D97-AF65-F5344CB8AC3E}">
-        <p14:creationId xmlns:p14="http://schemas.microsoft.com/office/powerpoint/2010/main" val="2418447667"/>
+        <p14:creationId xmlns:p14="http://schemas.microsoft.com/office/powerpoint/2010/main" val="2011825455"/>
       </p:ext>
     </p:extLst>
   </p:cSld>
@@ -3595,41 +3618,57 @@
           <a:lstStyle/>
           <a:p>
             <a:r>
-              <a:rPr lang="en-US" dirty="0"/>
-              <a:t>Reverse Engineering Approach</a:t>
-            </a:r>
-          </a:p>
-        </p:txBody>
-      </p:sp>
-      <p:sp>
-        <p:nvSpPr>
-          <p:cNvPr id="3" name="Content Placeholder 2">
-            <a:extLst>
-              <a:ext uri="{FF2B5EF4-FFF2-40B4-BE49-F238E27FC236}">
-                <a16:creationId xmlns:a16="http://schemas.microsoft.com/office/drawing/2014/main" id="{B83DC58C-0D91-1B9C-0756-968A19EB7540}"/>
-              </a:ext>
-            </a:extLst>
-          </p:cNvPr>
-          <p:cNvSpPr>
-            <a:spLocks noGrp="1"/>
-          </p:cNvSpPr>
+              <a:rPr lang="en-US" dirty="0">
+                <a:solidFill>
+                  <a:schemeClr val="bg1">
+                    <a:lumMod val="65000"/>
+                  </a:schemeClr>
+                </a:solidFill>
+              </a:rPr>
+              <a:t>Free Energy Principle</a:t>
+            </a:r>
+          </a:p>
+        </p:txBody>
+      </p:sp>
+      <p:pic>
+        <p:nvPicPr>
+          <p:cNvPr id="5" name="Content Placeholder 4" descr="A diagram of a mathematical model&#10;&#10;Description automatically generated">
+            <a:extLst>
+              <a:ext uri="{FF2B5EF4-FFF2-40B4-BE49-F238E27FC236}">
+                <a16:creationId xmlns:a16="http://schemas.microsoft.com/office/drawing/2014/main" id="{3A3F493C-445E-16BD-DF44-12A907E87BE3}"/>
+              </a:ext>
+            </a:extLst>
+          </p:cNvPr>
+          <p:cNvPicPr>
+            <a:picLocks noGrp="1" noChangeAspect="1"/>
+          </p:cNvPicPr>
           <p:nvPr>
             <p:ph idx="1"/>
           </p:nvPr>
-        </p:nvSpPr>
-        <p:spPr/>
-        <p:txBody>
-          <a:bodyPr/>
-          <a:lstStyle/>
-          <a:p>
-            <a:endParaRPr lang="en-US"/>
-          </a:p>
-        </p:txBody>
-      </p:sp>
+        </p:nvPicPr>
+        <p:blipFill>
+          <a:blip r:embed="rId2">
+            <a:extLst>
+              <a:ext uri="{28A0092B-C50C-407E-A947-70E740481C1C}">
+                <a14:useLocalDpi xmlns:a14="http://schemas.microsoft.com/office/drawing/2010/main" val="0"/>
+              </a:ext>
+            </a:extLst>
+          </a:blip>
+          <a:stretch>
+            <a:fillRect/>
+          </a:stretch>
+        </p:blipFill>
+        <p:spPr>
+          <a:xfrm>
+            <a:off x="2560162" y="1690688"/>
+            <a:ext cx="7071676" cy="4351338"/>
+          </a:xfrm>
+        </p:spPr>
+      </p:pic>
     </p:spTree>
     <p:extLst>
       <p:ext uri="{BB962C8B-B14F-4D97-AF65-F5344CB8AC3E}">
-        <p14:creationId xmlns:p14="http://schemas.microsoft.com/office/powerpoint/2010/main" val="3254727654"/>
+        <p14:creationId xmlns:p14="http://schemas.microsoft.com/office/powerpoint/2010/main" val="3411027427"/>
       </p:ext>
     </p:extLst>
   </p:cSld>
@@ -3679,6 +3718,195 @@
           <a:p>
             <a:r>
               <a:rPr lang="en-US" dirty="0"/>
+              <a:t>The free-energy principle:</a:t>
+            </a:r>
+            <a:br>
+              <a:rPr lang="en-US" dirty="0"/>
+            </a:br>
+            <a:r>
+              <a:rPr lang="en-US" dirty="0"/>
+              <a:t>a unified brain theory</a:t>
+            </a:r>
+          </a:p>
+        </p:txBody>
+      </p:sp>
+      <p:sp>
+        <p:nvSpPr>
+          <p:cNvPr id="3" name="Content Placeholder 2">
+            <a:extLst>
+              <a:ext uri="{FF2B5EF4-FFF2-40B4-BE49-F238E27FC236}">
+                <a16:creationId xmlns:a16="http://schemas.microsoft.com/office/drawing/2014/main" id="{B83DC58C-0D91-1B9C-0756-968A19EB7540}"/>
+              </a:ext>
+            </a:extLst>
+          </p:cNvPr>
+          <p:cNvSpPr>
+            <a:spLocks noGrp="1"/>
+          </p:cNvSpPr>
+          <p:nvPr>
+            <p:ph idx="1"/>
+          </p:nvPr>
+        </p:nvSpPr>
+        <p:spPr/>
+        <p:txBody>
+          <a:bodyPr/>
+          <a:lstStyle/>
+          <a:p>
+            <a:r>
+              <a:rPr lang="en-US" dirty="0"/>
+              <a:t>Friston (2010)</a:t>
+            </a:r>
+          </a:p>
+          <a:p>
+            <a:r>
+              <a:rPr lang="en-US" dirty="0"/>
+              <a:t>Recognition density is a probabilistic representation of what caused a particular sensation.</a:t>
+            </a:r>
+          </a:p>
+          <a:p>
+            <a:pPr lvl="1"/>
+            <a:r>
+              <a:rPr lang="en-US" dirty="0"/>
+              <a:t>Could be encoded as neuronal activity &amp; connection strengths</a:t>
+            </a:r>
+          </a:p>
+        </p:txBody>
+      </p:sp>
+    </p:spTree>
+    <p:extLst>
+      <p:ext uri="{BB962C8B-B14F-4D97-AF65-F5344CB8AC3E}">
+        <p14:creationId xmlns:p14="http://schemas.microsoft.com/office/powerpoint/2010/main" val="2418447667"/>
+      </p:ext>
+    </p:extLst>
+  </p:cSld>
+  <p:clrMapOvr>
+    <a:masterClrMapping/>
+  </p:clrMapOvr>
+</p:sld>
+</file>
+
+<file path=ppt/slides/slide6.xml><?xml version="1.0" encoding="utf-8"?>
+<p:sld xmlns:a="http://schemas.openxmlformats.org/drawingml/2006/main" xmlns:r="http://schemas.openxmlformats.org/officeDocument/2006/relationships" xmlns:p="http://schemas.openxmlformats.org/presentationml/2006/main">
+  <p:cSld>
+    <p:spTree>
+      <p:nvGrpSpPr>
+        <p:cNvPr id="1" name=""/>
+        <p:cNvGrpSpPr/>
+        <p:nvPr/>
+      </p:nvGrpSpPr>
+      <p:grpSpPr>
+        <a:xfrm>
+          <a:off x="0" y="0"/>
+          <a:ext cx="0" cy="0"/>
+          <a:chOff x="0" y="0"/>
+          <a:chExt cx="0" cy="0"/>
+        </a:xfrm>
+      </p:grpSpPr>
+      <p:sp>
+        <p:nvSpPr>
+          <p:cNvPr id="2" name="Title 1">
+            <a:extLst>
+              <a:ext uri="{FF2B5EF4-FFF2-40B4-BE49-F238E27FC236}">
+                <a16:creationId xmlns:a16="http://schemas.microsoft.com/office/drawing/2014/main" id="{9CB50B83-9A92-9E9F-3E8D-54BEADE9E2E0}"/>
+              </a:ext>
+            </a:extLst>
+          </p:cNvPr>
+          <p:cNvSpPr>
+            <a:spLocks noGrp="1"/>
+          </p:cNvSpPr>
+          <p:nvPr>
+            <p:ph type="title"/>
+          </p:nvPr>
+        </p:nvSpPr>
+        <p:spPr/>
+        <p:txBody>
+          <a:bodyPr/>
+          <a:lstStyle/>
+          <a:p>
+            <a:r>
+              <a:rPr lang="en-US" dirty="0"/>
+              <a:t>Reverse Engineering Approach</a:t>
+            </a:r>
+          </a:p>
+        </p:txBody>
+      </p:sp>
+      <p:sp>
+        <p:nvSpPr>
+          <p:cNvPr id="3" name="Content Placeholder 2">
+            <a:extLst>
+              <a:ext uri="{FF2B5EF4-FFF2-40B4-BE49-F238E27FC236}">
+                <a16:creationId xmlns:a16="http://schemas.microsoft.com/office/drawing/2014/main" id="{B83DC58C-0D91-1B9C-0756-968A19EB7540}"/>
+              </a:ext>
+            </a:extLst>
+          </p:cNvPr>
+          <p:cNvSpPr>
+            <a:spLocks noGrp="1"/>
+          </p:cNvSpPr>
+          <p:nvPr>
+            <p:ph idx="1"/>
+          </p:nvPr>
+        </p:nvSpPr>
+        <p:spPr/>
+        <p:txBody>
+          <a:bodyPr/>
+          <a:lstStyle/>
+          <a:p>
+            <a:endParaRPr lang="en-US"/>
+          </a:p>
+        </p:txBody>
+      </p:sp>
+    </p:spTree>
+    <p:extLst>
+      <p:ext uri="{BB962C8B-B14F-4D97-AF65-F5344CB8AC3E}">
+        <p14:creationId xmlns:p14="http://schemas.microsoft.com/office/powerpoint/2010/main" val="3254727654"/>
+      </p:ext>
+    </p:extLst>
+  </p:cSld>
+  <p:clrMapOvr>
+    <a:masterClrMapping/>
+  </p:clrMapOvr>
+</p:sld>
+</file>
+
+<file path=ppt/slides/slide7.xml><?xml version="1.0" encoding="utf-8"?>
+<p:sld xmlns:a="http://schemas.openxmlformats.org/drawingml/2006/main" xmlns:r="http://schemas.openxmlformats.org/officeDocument/2006/relationships" xmlns:p="http://schemas.openxmlformats.org/presentationml/2006/main">
+  <p:cSld>
+    <p:spTree>
+      <p:nvGrpSpPr>
+        <p:cNvPr id="1" name=""/>
+        <p:cNvGrpSpPr/>
+        <p:nvPr/>
+      </p:nvGrpSpPr>
+      <p:grpSpPr>
+        <a:xfrm>
+          <a:off x="0" y="0"/>
+          <a:ext cx="0" cy="0"/>
+          <a:chOff x="0" y="0"/>
+          <a:chExt cx="0" cy="0"/>
+        </a:xfrm>
+      </p:grpSpPr>
+      <p:sp>
+        <p:nvSpPr>
+          <p:cNvPr id="2" name="Title 1">
+            <a:extLst>
+              <a:ext uri="{FF2B5EF4-FFF2-40B4-BE49-F238E27FC236}">
+                <a16:creationId xmlns:a16="http://schemas.microsoft.com/office/drawing/2014/main" id="{9CB50B83-9A92-9E9F-3E8D-54BEADE9E2E0}"/>
+              </a:ext>
+            </a:extLst>
+          </p:cNvPr>
+          <p:cNvSpPr>
+            <a:spLocks noGrp="1"/>
+          </p:cNvSpPr>
+          <p:nvPr>
+            <p:ph type="title"/>
+          </p:nvPr>
+        </p:nvSpPr>
+        <p:spPr/>
+        <p:txBody>
+          <a:bodyPr/>
+          <a:lstStyle/>
+          <a:p>
+            <a:r>
+              <a:rPr lang="en-US" dirty="0"/>
               <a:t>Variational Bayes</a:t>
             </a:r>
           </a:p>
@@ -3722,7 +3950,7 @@
 </p:sld>
 </file>
 
-<file path=ppt/slides/slide6.xml><?xml version="1.0" encoding="utf-8"?>
+<file path=ppt/slides/slide8.xml><?xml version="1.0" encoding="utf-8"?>
 <p:sld xmlns:a="http://schemas.openxmlformats.org/drawingml/2006/main" xmlns:r="http://schemas.openxmlformats.org/officeDocument/2006/relationships" xmlns:p="http://schemas.openxmlformats.org/presentationml/2006/main">
   <p:cSld>
     <p:spTree>

--- a/in_vitro_free_energy/free_energy.pptx
+++ b/in_vitro_free_energy/free_energy.pptx
@@ -4,15 +4,29 @@
   <p:sldMasterIdLst>
     <p:sldMasterId id="2147483648" r:id="rId1"/>
   </p:sldMasterIdLst>
+  <p:notesMasterIdLst>
+    <p:notesMasterId r:id="rId21"/>
+  </p:notesMasterIdLst>
   <p:sldIdLst>
     <p:sldId id="256" r:id="rId2"/>
     <p:sldId id="262" r:id="rId3"/>
-    <p:sldId id="257" r:id="rId4"/>
-    <p:sldId id="263" r:id="rId5"/>
-    <p:sldId id="261" r:id="rId6"/>
-    <p:sldId id="260" r:id="rId7"/>
-    <p:sldId id="259" r:id="rId8"/>
-    <p:sldId id="258" r:id="rId9"/>
+    <p:sldId id="264" r:id="rId4"/>
+    <p:sldId id="257" r:id="rId5"/>
+    <p:sldId id="263" r:id="rId6"/>
+    <p:sldId id="266" r:id="rId7"/>
+    <p:sldId id="261" r:id="rId8"/>
+    <p:sldId id="265" r:id="rId9"/>
+    <p:sldId id="260" r:id="rId10"/>
+    <p:sldId id="271" r:id="rId11"/>
+    <p:sldId id="272" r:id="rId12"/>
+    <p:sldId id="273" r:id="rId13"/>
+    <p:sldId id="274" r:id="rId14"/>
+    <p:sldId id="270" r:id="rId15"/>
+    <p:sldId id="259" r:id="rId16"/>
+    <p:sldId id="258" r:id="rId17"/>
+    <p:sldId id="267" r:id="rId18"/>
+    <p:sldId id="268" r:id="rId19"/>
+    <p:sldId id="269" r:id="rId20"/>
   </p:sldIdLst>
   <p:sldSz cx="12192000" cy="6858000"/>
   <p:notesSz cx="6858000" cy="9144000"/>
@@ -117,6 +131,665 @@
     </p:ext>
   </p:extLst>
 </p:presentation>
+</file>
+
+<file path=ppt/notesMasters/notesMaster1.xml><?xml version="1.0" encoding="utf-8"?>
+<p:notesMaster xmlns:a="http://schemas.openxmlformats.org/drawingml/2006/main" xmlns:r="http://schemas.openxmlformats.org/officeDocument/2006/relationships" xmlns:p="http://schemas.openxmlformats.org/presentationml/2006/main">
+  <p:cSld>
+    <p:bg>
+      <p:bgRef idx="1001">
+        <a:schemeClr val="bg1"/>
+      </p:bgRef>
+    </p:bg>
+    <p:spTree>
+      <p:nvGrpSpPr>
+        <p:cNvPr id="1" name=""/>
+        <p:cNvGrpSpPr/>
+        <p:nvPr/>
+      </p:nvGrpSpPr>
+      <p:grpSpPr>
+        <a:xfrm>
+          <a:off x="0" y="0"/>
+          <a:ext cx="0" cy="0"/>
+          <a:chOff x="0" y="0"/>
+          <a:chExt cx="0" cy="0"/>
+        </a:xfrm>
+      </p:grpSpPr>
+      <p:sp>
+        <p:nvSpPr>
+          <p:cNvPr id="2" name="Header Placeholder 1"/>
+          <p:cNvSpPr>
+            <a:spLocks noGrp="1"/>
+          </p:cNvSpPr>
+          <p:nvPr>
+            <p:ph type="hdr" sz="quarter"/>
+          </p:nvPr>
+        </p:nvSpPr>
+        <p:spPr>
+          <a:xfrm>
+            <a:off x="0" y="0"/>
+            <a:ext cx="2971800" cy="458788"/>
+          </a:xfrm>
+          <a:prstGeom prst="rect">
+            <a:avLst/>
+          </a:prstGeom>
+        </p:spPr>
+        <p:txBody>
+          <a:bodyPr vert="horz" lIns="91440" tIns="45720" rIns="91440" bIns="45720" rtlCol="0"/>
+          <a:lstStyle>
+            <a:lvl1pPr algn="l">
+              <a:defRPr sz="1200"/>
+            </a:lvl1pPr>
+          </a:lstStyle>
+          <a:p>
+            <a:endParaRPr lang="en-US"/>
+          </a:p>
+        </p:txBody>
+      </p:sp>
+      <p:sp>
+        <p:nvSpPr>
+          <p:cNvPr id="3" name="Date Placeholder 2"/>
+          <p:cNvSpPr>
+            <a:spLocks noGrp="1"/>
+          </p:cNvSpPr>
+          <p:nvPr>
+            <p:ph type="dt" idx="1"/>
+          </p:nvPr>
+        </p:nvSpPr>
+        <p:spPr>
+          <a:xfrm>
+            <a:off x="3884613" y="0"/>
+            <a:ext cx="2971800" cy="458788"/>
+          </a:xfrm>
+          <a:prstGeom prst="rect">
+            <a:avLst/>
+          </a:prstGeom>
+        </p:spPr>
+        <p:txBody>
+          <a:bodyPr vert="horz" lIns="91440" tIns="45720" rIns="91440" bIns="45720" rtlCol="0"/>
+          <a:lstStyle>
+            <a:lvl1pPr algn="r">
+              <a:defRPr sz="1200"/>
+            </a:lvl1pPr>
+          </a:lstStyle>
+          <a:p>
+            <a:fld id="{A541287B-6F11-4922-9800-D574B404C599}" type="datetimeFigureOut">
+              <a:rPr lang="en-US" smtClean="0"/>
+              <a:t>5/28/2024</a:t>
+            </a:fld>
+            <a:endParaRPr lang="en-US"/>
+          </a:p>
+        </p:txBody>
+      </p:sp>
+      <p:sp>
+        <p:nvSpPr>
+          <p:cNvPr id="4" name="Slide Image Placeholder 3"/>
+          <p:cNvSpPr>
+            <a:spLocks noGrp="1" noRot="1" noChangeAspect="1"/>
+          </p:cNvSpPr>
+          <p:nvPr>
+            <p:ph type="sldImg" idx="2"/>
+          </p:nvPr>
+        </p:nvSpPr>
+        <p:spPr>
+          <a:xfrm>
+            <a:off x="685800" y="1143000"/>
+            <a:ext cx="5486400" cy="3086100"/>
+          </a:xfrm>
+          <a:prstGeom prst="rect">
+            <a:avLst/>
+          </a:prstGeom>
+          <a:noFill/>
+          <a:ln w="12700">
+            <a:solidFill>
+              <a:prstClr val="black"/>
+            </a:solidFill>
+          </a:ln>
+        </p:spPr>
+        <p:txBody>
+          <a:bodyPr vert="horz" lIns="91440" tIns="45720" rIns="91440" bIns="45720" rtlCol="0" anchor="ctr"/>
+          <a:lstStyle/>
+          <a:p>
+            <a:endParaRPr lang="en-US"/>
+          </a:p>
+        </p:txBody>
+      </p:sp>
+      <p:sp>
+        <p:nvSpPr>
+          <p:cNvPr id="5" name="Notes Placeholder 4"/>
+          <p:cNvSpPr>
+            <a:spLocks noGrp="1"/>
+          </p:cNvSpPr>
+          <p:nvPr>
+            <p:ph type="body" sz="quarter" idx="3"/>
+          </p:nvPr>
+        </p:nvSpPr>
+        <p:spPr>
+          <a:xfrm>
+            <a:off x="685800" y="4400550"/>
+            <a:ext cx="5486400" cy="3600450"/>
+          </a:xfrm>
+          <a:prstGeom prst="rect">
+            <a:avLst/>
+          </a:prstGeom>
+        </p:spPr>
+        <p:txBody>
+          <a:bodyPr vert="horz" lIns="91440" tIns="45720" rIns="91440" bIns="45720" rtlCol="0"/>
+          <a:lstStyle/>
+          <a:p>
+            <a:pPr lvl="0"/>
+            <a:r>
+              <a:rPr lang="en-US"/>
+              <a:t>Click to edit Master text styles</a:t>
+            </a:r>
+          </a:p>
+          <a:p>
+            <a:pPr lvl="1"/>
+            <a:r>
+              <a:rPr lang="en-US"/>
+              <a:t>Second level</a:t>
+            </a:r>
+          </a:p>
+          <a:p>
+            <a:pPr lvl="2"/>
+            <a:r>
+              <a:rPr lang="en-US"/>
+              <a:t>Third level</a:t>
+            </a:r>
+          </a:p>
+          <a:p>
+            <a:pPr lvl="3"/>
+            <a:r>
+              <a:rPr lang="en-US"/>
+              <a:t>Fourth level</a:t>
+            </a:r>
+          </a:p>
+          <a:p>
+            <a:pPr lvl="4"/>
+            <a:r>
+              <a:rPr lang="en-US"/>
+              <a:t>Fifth level</a:t>
+            </a:r>
+          </a:p>
+        </p:txBody>
+      </p:sp>
+      <p:sp>
+        <p:nvSpPr>
+          <p:cNvPr id="6" name="Footer Placeholder 5"/>
+          <p:cNvSpPr>
+            <a:spLocks noGrp="1"/>
+          </p:cNvSpPr>
+          <p:nvPr>
+            <p:ph type="ftr" sz="quarter" idx="4"/>
+          </p:nvPr>
+        </p:nvSpPr>
+        <p:spPr>
+          <a:xfrm>
+            <a:off x="0" y="8685213"/>
+            <a:ext cx="2971800" cy="458787"/>
+          </a:xfrm>
+          <a:prstGeom prst="rect">
+            <a:avLst/>
+          </a:prstGeom>
+        </p:spPr>
+        <p:txBody>
+          <a:bodyPr vert="horz" lIns="91440" tIns="45720" rIns="91440" bIns="45720" rtlCol="0" anchor="b"/>
+          <a:lstStyle>
+            <a:lvl1pPr algn="l">
+              <a:defRPr sz="1200"/>
+            </a:lvl1pPr>
+          </a:lstStyle>
+          <a:p>
+            <a:endParaRPr lang="en-US"/>
+          </a:p>
+        </p:txBody>
+      </p:sp>
+      <p:sp>
+        <p:nvSpPr>
+          <p:cNvPr id="7" name="Slide Number Placeholder 6"/>
+          <p:cNvSpPr>
+            <a:spLocks noGrp="1"/>
+          </p:cNvSpPr>
+          <p:nvPr>
+            <p:ph type="sldNum" sz="quarter" idx="5"/>
+          </p:nvPr>
+        </p:nvSpPr>
+        <p:spPr>
+          <a:xfrm>
+            <a:off x="3884613" y="8685213"/>
+            <a:ext cx="2971800" cy="458787"/>
+          </a:xfrm>
+          <a:prstGeom prst="rect">
+            <a:avLst/>
+          </a:prstGeom>
+        </p:spPr>
+        <p:txBody>
+          <a:bodyPr vert="horz" lIns="91440" tIns="45720" rIns="91440" bIns="45720" rtlCol="0" anchor="b"/>
+          <a:lstStyle>
+            <a:lvl1pPr algn="r">
+              <a:defRPr sz="1200"/>
+            </a:lvl1pPr>
+          </a:lstStyle>
+          <a:p>
+            <a:fld id="{841461F6-A7C9-44CD-BE51-42966ECD89FF}" type="slidenum">
+              <a:rPr lang="en-US" smtClean="0"/>
+              <a:t>‹#›</a:t>
+            </a:fld>
+            <a:endParaRPr lang="en-US"/>
+          </a:p>
+        </p:txBody>
+      </p:sp>
+    </p:spTree>
+    <p:extLst>
+      <p:ext uri="{BB962C8B-B14F-4D97-AF65-F5344CB8AC3E}">
+        <p14:creationId xmlns:p14="http://schemas.microsoft.com/office/powerpoint/2010/main" val="1433533536"/>
+      </p:ext>
+    </p:extLst>
+  </p:cSld>
+  <p:clrMap bg1="lt1" tx1="dk1" bg2="lt2" tx2="dk2" accent1="accent1" accent2="accent2" accent3="accent3" accent4="accent4" accent5="accent5" accent6="accent6" hlink="hlink" folHlink="folHlink"/>
+  <p:notesStyle>
+    <a:lvl1pPr marL="0" algn="l" defTabSz="914400" rtl="0" eaLnBrk="1" latinLnBrk="0" hangingPunct="1">
+      <a:defRPr sz="1200" kern="1200">
+        <a:solidFill>
+          <a:schemeClr val="tx1"/>
+        </a:solidFill>
+        <a:latin typeface="+mn-lt"/>
+        <a:ea typeface="+mn-ea"/>
+        <a:cs typeface="+mn-cs"/>
+      </a:defRPr>
+    </a:lvl1pPr>
+    <a:lvl2pPr marL="457200" algn="l" defTabSz="914400" rtl="0" eaLnBrk="1" latinLnBrk="0" hangingPunct="1">
+      <a:defRPr sz="1200" kern="1200">
+        <a:solidFill>
+          <a:schemeClr val="tx1"/>
+        </a:solidFill>
+        <a:latin typeface="+mn-lt"/>
+        <a:ea typeface="+mn-ea"/>
+        <a:cs typeface="+mn-cs"/>
+      </a:defRPr>
+    </a:lvl2pPr>
+    <a:lvl3pPr marL="914400" algn="l" defTabSz="914400" rtl="0" eaLnBrk="1" latinLnBrk="0" hangingPunct="1">
+      <a:defRPr sz="1200" kern="1200">
+        <a:solidFill>
+          <a:schemeClr val="tx1"/>
+        </a:solidFill>
+        <a:latin typeface="+mn-lt"/>
+        <a:ea typeface="+mn-ea"/>
+        <a:cs typeface="+mn-cs"/>
+      </a:defRPr>
+    </a:lvl3pPr>
+    <a:lvl4pPr marL="1371600" algn="l" defTabSz="914400" rtl="0" eaLnBrk="1" latinLnBrk="0" hangingPunct="1">
+      <a:defRPr sz="1200" kern="1200">
+        <a:solidFill>
+          <a:schemeClr val="tx1"/>
+        </a:solidFill>
+        <a:latin typeface="+mn-lt"/>
+        <a:ea typeface="+mn-ea"/>
+        <a:cs typeface="+mn-cs"/>
+      </a:defRPr>
+    </a:lvl4pPr>
+    <a:lvl5pPr marL="1828800" algn="l" defTabSz="914400" rtl="0" eaLnBrk="1" latinLnBrk="0" hangingPunct="1">
+      <a:defRPr sz="1200" kern="1200">
+        <a:solidFill>
+          <a:schemeClr val="tx1"/>
+        </a:solidFill>
+        <a:latin typeface="+mn-lt"/>
+        <a:ea typeface="+mn-ea"/>
+        <a:cs typeface="+mn-cs"/>
+      </a:defRPr>
+    </a:lvl5pPr>
+    <a:lvl6pPr marL="2286000" algn="l" defTabSz="914400" rtl="0" eaLnBrk="1" latinLnBrk="0" hangingPunct="1">
+      <a:defRPr sz="1200" kern="1200">
+        <a:solidFill>
+          <a:schemeClr val="tx1"/>
+        </a:solidFill>
+        <a:latin typeface="+mn-lt"/>
+        <a:ea typeface="+mn-ea"/>
+        <a:cs typeface="+mn-cs"/>
+      </a:defRPr>
+    </a:lvl6pPr>
+    <a:lvl7pPr marL="2743200" algn="l" defTabSz="914400" rtl="0" eaLnBrk="1" latinLnBrk="0" hangingPunct="1">
+      <a:defRPr sz="1200" kern="1200">
+        <a:solidFill>
+          <a:schemeClr val="tx1"/>
+        </a:solidFill>
+        <a:latin typeface="+mn-lt"/>
+        <a:ea typeface="+mn-ea"/>
+        <a:cs typeface="+mn-cs"/>
+      </a:defRPr>
+    </a:lvl7pPr>
+    <a:lvl8pPr marL="3200400" algn="l" defTabSz="914400" rtl="0" eaLnBrk="1" latinLnBrk="0" hangingPunct="1">
+      <a:defRPr sz="1200" kern="1200">
+        <a:solidFill>
+          <a:schemeClr val="tx1"/>
+        </a:solidFill>
+        <a:latin typeface="+mn-lt"/>
+        <a:ea typeface="+mn-ea"/>
+        <a:cs typeface="+mn-cs"/>
+      </a:defRPr>
+    </a:lvl8pPr>
+    <a:lvl9pPr marL="3657600" algn="l" defTabSz="914400" rtl="0" eaLnBrk="1" latinLnBrk="0" hangingPunct="1">
+      <a:defRPr sz="1200" kern="1200">
+        <a:solidFill>
+          <a:schemeClr val="tx1"/>
+        </a:solidFill>
+        <a:latin typeface="+mn-lt"/>
+        <a:ea typeface="+mn-ea"/>
+        <a:cs typeface="+mn-cs"/>
+      </a:defRPr>
+    </a:lvl9pPr>
+  </p:notesStyle>
+</p:notesMaster>
+</file>
+
+<file path=ppt/notesSlides/notesSlide1.xml><?xml version="1.0" encoding="utf-8"?>
+<p:notes xmlns:a="http://schemas.openxmlformats.org/drawingml/2006/main" xmlns:r="http://schemas.openxmlformats.org/officeDocument/2006/relationships" xmlns:p="http://schemas.openxmlformats.org/presentationml/2006/main">
+  <p:cSld>
+    <p:spTree>
+      <p:nvGrpSpPr>
+        <p:cNvPr id="1" name=""/>
+        <p:cNvGrpSpPr/>
+        <p:nvPr/>
+      </p:nvGrpSpPr>
+      <p:grpSpPr>
+        <a:xfrm>
+          <a:off x="0" y="0"/>
+          <a:ext cx="0" cy="0"/>
+          <a:chOff x="0" y="0"/>
+          <a:chExt cx="0" cy="0"/>
+        </a:xfrm>
+      </p:grpSpPr>
+      <p:sp>
+        <p:nvSpPr>
+          <p:cNvPr id="2" name="Slide Image Placeholder 1"/>
+          <p:cNvSpPr>
+            <a:spLocks noGrp="1" noRot="1" noChangeAspect="1"/>
+          </p:cNvSpPr>
+          <p:nvPr>
+            <p:ph type="sldImg"/>
+          </p:nvPr>
+        </p:nvSpPr>
+        <p:spPr/>
+      </p:sp>
+      <p:sp>
+        <p:nvSpPr>
+          <p:cNvPr id="3" name="Notes Placeholder 2"/>
+          <p:cNvSpPr>
+            <a:spLocks noGrp="1"/>
+          </p:cNvSpPr>
+          <p:nvPr>
+            <p:ph type="body" idx="1"/>
+          </p:nvPr>
+        </p:nvSpPr>
+        <p:spPr/>
+        <p:txBody>
+          <a:bodyPr/>
+          <a:lstStyle/>
+          <a:p>
+            <a:r>
+              <a:rPr lang="en-US" dirty="0"/>
+              <a:t>Neuroimaging pioneer. Psychiatrist neuroscientist physicist. 347k citations</a:t>
+            </a:r>
+          </a:p>
+        </p:txBody>
+      </p:sp>
+      <p:sp>
+        <p:nvSpPr>
+          <p:cNvPr id="4" name="Slide Number Placeholder 3"/>
+          <p:cNvSpPr>
+            <a:spLocks noGrp="1"/>
+          </p:cNvSpPr>
+          <p:nvPr>
+            <p:ph type="sldNum" sz="quarter" idx="5"/>
+          </p:nvPr>
+        </p:nvSpPr>
+        <p:spPr/>
+        <p:txBody>
+          <a:bodyPr/>
+          <a:lstStyle/>
+          <a:p>
+            <a:fld id="{841461F6-A7C9-44CD-BE51-42966ECD89FF}" type="slidenum">
+              <a:rPr lang="en-US" smtClean="0"/>
+              <a:t>2</a:t>
+            </a:fld>
+            <a:endParaRPr lang="en-US"/>
+          </a:p>
+        </p:txBody>
+      </p:sp>
+    </p:spTree>
+    <p:extLst>
+      <p:ext uri="{BB962C8B-B14F-4D97-AF65-F5344CB8AC3E}">
+        <p14:creationId xmlns:p14="http://schemas.microsoft.com/office/powerpoint/2010/main" val="623041985"/>
+      </p:ext>
+    </p:extLst>
+  </p:cSld>
+  <p:clrMapOvr>
+    <a:masterClrMapping/>
+  </p:clrMapOvr>
+</p:notes>
+</file>
+
+<file path=ppt/notesSlides/notesSlide2.xml><?xml version="1.0" encoding="utf-8"?>
+<p:notes xmlns:a="http://schemas.openxmlformats.org/drawingml/2006/main" xmlns:r="http://schemas.openxmlformats.org/officeDocument/2006/relationships" xmlns:p="http://schemas.openxmlformats.org/presentationml/2006/main">
+  <p:cSld>
+    <p:spTree>
+      <p:nvGrpSpPr>
+        <p:cNvPr id="1" name=""/>
+        <p:cNvGrpSpPr/>
+        <p:nvPr/>
+      </p:nvGrpSpPr>
+      <p:grpSpPr>
+        <a:xfrm>
+          <a:off x="0" y="0"/>
+          <a:ext cx="0" cy="0"/>
+          <a:chOff x="0" y="0"/>
+          <a:chExt cx="0" cy="0"/>
+        </a:xfrm>
+      </p:grpSpPr>
+      <p:sp>
+        <p:nvSpPr>
+          <p:cNvPr id="2" name="Slide Image Placeholder 1"/>
+          <p:cNvSpPr>
+            <a:spLocks noGrp="1" noRot="1" noChangeAspect="1"/>
+          </p:cNvSpPr>
+          <p:nvPr>
+            <p:ph type="sldImg"/>
+          </p:nvPr>
+        </p:nvSpPr>
+        <p:spPr/>
+      </p:sp>
+      <p:sp>
+        <p:nvSpPr>
+          <p:cNvPr id="3" name="Notes Placeholder 2"/>
+          <p:cNvSpPr>
+            <a:spLocks noGrp="1"/>
+          </p:cNvSpPr>
+          <p:nvPr>
+            <p:ph type="body" idx="1"/>
+          </p:nvPr>
+        </p:nvSpPr>
+        <p:spPr/>
+        <p:txBody>
+          <a:bodyPr/>
+          <a:lstStyle/>
+          <a:p>
+            <a:r>
+              <a:rPr lang="en-US" dirty="0"/>
+              <a:t>Neuroimaging pioneer. Psychiatrist neuroscientist physicist. 347k citations</a:t>
+            </a:r>
+          </a:p>
+        </p:txBody>
+      </p:sp>
+      <p:sp>
+        <p:nvSpPr>
+          <p:cNvPr id="4" name="Slide Number Placeholder 3"/>
+          <p:cNvSpPr>
+            <a:spLocks noGrp="1"/>
+          </p:cNvSpPr>
+          <p:nvPr>
+            <p:ph type="sldNum" sz="quarter" idx="5"/>
+          </p:nvPr>
+        </p:nvSpPr>
+        <p:spPr/>
+        <p:txBody>
+          <a:bodyPr/>
+          <a:lstStyle/>
+          <a:p>
+            <a:fld id="{841461F6-A7C9-44CD-BE51-42966ECD89FF}" type="slidenum">
+              <a:rPr lang="en-US" smtClean="0"/>
+              <a:t>3</a:t>
+            </a:fld>
+            <a:endParaRPr lang="en-US"/>
+          </a:p>
+        </p:txBody>
+      </p:sp>
+    </p:spTree>
+    <p:extLst>
+      <p:ext uri="{BB962C8B-B14F-4D97-AF65-F5344CB8AC3E}">
+        <p14:creationId xmlns:p14="http://schemas.microsoft.com/office/powerpoint/2010/main" val="3054029003"/>
+      </p:ext>
+    </p:extLst>
+  </p:cSld>
+  <p:clrMapOvr>
+    <a:masterClrMapping/>
+  </p:clrMapOvr>
+</p:notes>
+</file>
+
+<file path=ppt/notesSlides/notesSlide3.xml><?xml version="1.0" encoding="utf-8"?>
+<p:notes xmlns:a="http://schemas.openxmlformats.org/drawingml/2006/main" xmlns:r="http://schemas.openxmlformats.org/officeDocument/2006/relationships" xmlns:p="http://schemas.openxmlformats.org/presentationml/2006/main">
+  <p:cSld>
+    <p:spTree>
+      <p:nvGrpSpPr>
+        <p:cNvPr id="1" name=""/>
+        <p:cNvGrpSpPr/>
+        <p:nvPr/>
+      </p:nvGrpSpPr>
+      <p:grpSpPr>
+        <a:xfrm>
+          <a:off x="0" y="0"/>
+          <a:ext cx="0" cy="0"/>
+          <a:chOff x="0" y="0"/>
+          <a:chExt cx="0" cy="0"/>
+        </a:xfrm>
+      </p:grpSpPr>
+      <p:sp>
+        <p:nvSpPr>
+          <p:cNvPr id="2" name="Slide Image Placeholder 1"/>
+          <p:cNvSpPr>
+            <a:spLocks noGrp="1" noRot="1" noChangeAspect="1"/>
+          </p:cNvSpPr>
+          <p:nvPr>
+            <p:ph type="sldImg"/>
+          </p:nvPr>
+        </p:nvSpPr>
+        <p:spPr/>
+      </p:sp>
+      <p:sp>
+        <p:nvSpPr>
+          <p:cNvPr id="3" name="Notes Placeholder 2"/>
+          <p:cNvSpPr>
+            <a:spLocks noGrp="1"/>
+          </p:cNvSpPr>
+          <p:nvPr>
+            <p:ph type="body" idx="1"/>
+          </p:nvPr>
+        </p:nvSpPr>
+        <p:spPr/>
+        <p:txBody>
+          <a:bodyPr/>
+          <a:lstStyle/>
+          <a:p>
+            <a:pPr algn="l"/>
+            <a:r>
+              <a:rPr lang="en-US" sz="1800" b="0" i="0" u="none" strike="noStrike" baseline="0" dirty="0">
+                <a:latin typeface="DiverdaSansCom-Regular"/>
+              </a:rPr>
+              <a:t>The figure details a neuronal architecture that optimizes the conditional expectations of</a:t>
+            </a:r>
+          </a:p>
+          <a:p>
+            <a:pPr algn="l"/>
+            <a:r>
+              <a:rPr lang="en-US" sz="1800" b="0" i="0" u="none" strike="noStrike" baseline="0" dirty="0">
+                <a:latin typeface="DiverdaSansCom-Regular"/>
+              </a:rPr>
+              <a:t>causes in hierarchical models of sensory input. It shows the putative cells of origin of forward</a:t>
+            </a:r>
+          </a:p>
+          <a:p>
+            <a:pPr algn="l"/>
+            <a:r>
+              <a:rPr lang="en-US" sz="1800" b="0" i="0" u="none" strike="noStrike" baseline="0" dirty="0">
+                <a:latin typeface="DiverdaSansCom-Regular"/>
+              </a:rPr>
+              <a:t>driving connections that convey prediction error (grey arrows) from a lower area (for</a:t>
+            </a:r>
+          </a:p>
+          <a:p>
+            <a:pPr algn="l"/>
+            <a:r>
+              <a:rPr lang="en-US" sz="1800" b="0" i="0" u="none" strike="noStrike" baseline="0" dirty="0">
+                <a:latin typeface="DiverdaSansCom-Regular"/>
+              </a:rPr>
+              <a:t>example, the lateral geniculate nucleus) to a higher area (for example, V1), and nonlinear</a:t>
+            </a:r>
+          </a:p>
+          <a:p>
+            <a:pPr algn="l"/>
+            <a:r>
+              <a:rPr lang="en-US" sz="1800" b="0" i="0" u="none" strike="noStrike" baseline="0" dirty="0">
+                <a:latin typeface="DiverdaSansCom-Regular"/>
+              </a:rPr>
+              <a:t>backward connections (black arrows) that construct predictions41. These predictions try to</a:t>
+            </a:r>
+          </a:p>
+          <a:p>
+            <a:pPr algn="l"/>
+            <a:r>
+              <a:rPr lang="en-US" sz="1800" b="0" i="0" u="none" strike="noStrike" baseline="0" dirty="0">
+                <a:latin typeface="DiverdaSansCom-Regular"/>
+              </a:rPr>
+              <a:t>explain away prediction error in lower levels.</a:t>
+            </a:r>
+            <a:endParaRPr lang="en-US" dirty="0"/>
+          </a:p>
+        </p:txBody>
+      </p:sp>
+      <p:sp>
+        <p:nvSpPr>
+          <p:cNvPr id="4" name="Slide Number Placeholder 3"/>
+          <p:cNvSpPr>
+            <a:spLocks noGrp="1"/>
+          </p:cNvSpPr>
+          <p:nvPr>
+            <p:ph type="sldNum" sz="quarter" idx="5"/>
+          </p:nvPr>
+        </p:nvSpPr>
+        <p:spPr/>
+        <p:txBody>
+          <a:bodyPr/>
+          <a:lstStyle/>
+          <a:p>
+            <a:fld id="{841461F6-A7C9-44CD-BE51-42966ECD89FF}" type="slidenum">
+              <a:rPr lang="en-US" smtClean="0"/>
+              <a:t>6</a:t>
+            </a:fld>
+            <a:endParaRPr lang="en-US"/>
+          </a:p>
+        </p:txBody>
+      </p:sp>
+    </p:spTree>
+    <p:extLst>
+      <p:ext uri="{BB962C8B-B14F-4D97-AF65-F5344CB8AC3E}">
+        <p14:creationId xmlns:p14="http://schemas.microsoft.com/office/powerpoint/2010/main" val="1590869064"/>
+      </p:ext>
+    </p:extLst>
+  </p:cSld>
+  <p:clrMapOvr>
+    <a:masterClrMapping/>
+  </p:clrMapOvr>
+</p:notes>
 </file>
 
 <file path=ppt/slideLayouts/slideLayout1.xml><?xml version="1.0" encoding="utf-8"?>
@@ -3349,12 +4022,35 @@
             <p:ph type="ctrTitle"/>
           </p:nvPr>
         </p:nvSpPr>
-        <p:spPr/>
-        <p:txBody>
-          <a:bodyPr/>
-          <a:lstStyle/>
-          <a:p>
-            <a:endParaRPr lang="en-US"/>
+        <p:spPr>
+          <a:xfrm>
+            <a:off x="996696" y="1041400"/>
+            <a:ext cx="10198608" cy="2387600"/>
+          </a:xfrm>
+        </p:spPr>
+        <p:txBody>
+          <a:bodyPr>
+            <a:normAutofit/>
+          </a:bodyPr>
+          <a:lstStyle/>
+          <a:p>
+            <a:r>
+              <a:rPr lang="en-US" sz="4000" dirty="0">
+                <a:latin typeface="Bahnschrift" panose="020B0502040204020203" pitchFamily="34" charset="0"/>
+              </a:rPr>
+              <a:t>Experimental validation of the free-energy</a:t>
+            </a:r>
+            <a:br>
+              <a:rPr lang="en-US" sz="4000" dirty="0">
+                <a:latin typeface="Bahnschrift" panose="020B0502040204020203" pitchFamily="34" charset="0"/>
+              </a:rPr>
+            </a:br>
+            <a:r>
+              <a:rPr lang="en-US" sz="4000" dirty="0">
+                <a:latin typeface="Bahnschrift" panose="020B0502040204020203" pitchFamily="34" charset="0"/>
+              </a:rPr>
+              <a:t>principle with in vitro neural networks</a:t>
+            </a:r>
           </a:p>
         </p:txBody>
       </p:sp>
@@ -3379,7 +4075,32 @@
           <a:bodyPr/>
           <a:lstStyle/>
           <a:p>
-            <a:endParaRPr lang="en-US"/>
+            <a:r>
+              <a:rPr lang="en-US" sz="2800" dirty="0">
+                <a:solidFill>
+                  <a:schemeClr val="tx1">
+                    <a:lumMod val="65000"/>
+                    <a:lumOff val="35000"/>
+                  </a:schemeClr>
+                </a:solidFill>
+                <a:latin typeface="Bahnschrift" panose="020B0502040204020203" pitchFamily="34" charset="0"/>
+              </a:rPr>
+              <a:t>Isomura, Kotani, Jimbo &amp; Friston</a:t>
+            </a:r>
+          </a:p>
+          <a:p>
+            <a:r>
+              <a:rPr lang="en-US" sz="1800" dirty="0">
+                <a:solidFill>
+                  <a:schemeClr val="tx1">
+                    <a:lumMod val="65000"/>
+                    <a:lumOff val="35000"/>
+                  </a:schemeClr>
+                </a:solidFill>
+                <a:latin typeface="Bahnschrift" panose="020B0502040204020203" pitchFamily="34" charset="0"/>
+              </a:rPr>
+              <a:t>Nature Communications 2023</a:t>
+            </a:r>
           </a:p>
         </p:txBody>
       </p:sp>
@@ -3387,6 +4108,903 @@
     <p:extLst>
       <p:ext uri="{BB962C8B-B14F-4D97-AF65-F5344CB8AC3E}">
         <p14:creationId xmlns:p14="http://schemas.microsoft.com/office/powerpoint/2010/main" val="748753685"/>
+      </p:ext>
+    </p:extLst>
+  </p:cSld>
+  <p:clrMapOvr>
+    <a:masterClrMapping/>
+  </p:clrMapOvr>
+</p:sld>
+</file>
+
+<file path=ppt/slides/slide10.xml><?xml version="1.0" encoding="utf-8"?>
+<p:sld xmlns:a="http://schemas.openxmlformats.org/drawingml/2006/main" xmlns:r="http://schemas.openxmlformats.org/officeDocument/2006/relationships" xmlns:p="http://schemas.openxmlformats.org/presentationml/2006/main">
+  <p:cSld>
+    <p:spTree>
+      <p:nvGrpSpPr>
+        <p:cNvPr id="1" name=""/>
+        <p:cNvGrpSpPr/>
+        <p:nvPr/>
+      </p:nvGrpSpPr>
+      <p:grpSpPr>
+        <a:xfrm>
+          <a:off x="0" y="0"/>
+          <a:ext cx="0" cy="0"/>
+          <a:chOff x="0" y="0"/>
+          <a:chExt cx="0" cy="0"/>
+        </a:xfrm>
+      </p:grpSpPr>
+      <p:sp>
+        <p:nvSpPr>
+          <p:cNvPr id="2" name="Title 1">
+            <a:extLst>
+              <a:ext uri="{FF2B5EF4-FFF2-40B4-BE49-F238E27FC236}">
+                <a16:creationId xmlns:a16="http://schemas.microsoft.com/office/drawing/2014/main" id="{9CB50B83-9A92-9E9F-3E8D-54BEADE9E2E0}"/>
+              </a:ext>
+            </a:extLst>
+          </p:cNvPr>
+          <p:cNvSpPr>
+            <a:spLocks noGrp="1"/>
+          </p:cNvSpPr>
+          <p:nvPr>
+            <p:ph type="title"/>
+          </p:nvPr>
+        </p:nvSpPr>
+        <p:spPr/>
+        <p:txBody>
+          <a:bodyPr/>
+          <a:lstStyle/>
+          <a:p>
+            <a:r>
+              <a:rPr lang="en-US" dirty="0">
+                <a:latin typeface="Bahnschrift" panose="020B0502040204020203" pitchFamily="34" charset="0"/>
+              </a:rPr>
+              <a:t>Isomura et al. (2023)</a:t>
+            </a:r>
+          </a:p>
+        </p:txBody>
+      </p:sp>
+      <p:sp>
+        <p:nvSpPr>
+          <p:cNvPr id="3" name="Content Placeholder 2">
+            <a:extLst>
+              <a:ext uri="{FF2B5EF4-FFF2-40B4-BE49-F238E27FC236}">
+                <a16:creationId xmlns:a16="http://schemas.microsoft.com/office/drawing/2014/main" id="{B83DC58C-0D91-1B9C-0756-968A19EB7540}"/>
+              </a:ext>
+            </a:extLst>
+          </p:cNvPr>
+          <p:cNvSpPr>
+            <a:spLocks noGrp="1"/>
+          </p:cNvSpPr>
+          <p:nvPr>
+            <p:ph idx="1"/>
+          </p:nvPr>
+        </p:nvSpPr>
+        <p:spPr/>
+        <p:txBody>
+          <a:bodyPr/>
+          <a:lstStyle/>
+          <a:p>
+            <a:r>
+              <a:rPr lang="en-US" dirty="0"/>
+              <a:t>Attempts to validate the FEP in vitro</a:t>
+            </a:r>
+          </a:p>
+          <a:p>
+            <a:pPr lvl="1"/>
+            <a:r>
+              <a:rPr lang="en-US" dirty="0"/>
+              <a:t>Cultured “neuronal network”</a:t>
+            </a:r>
+          </a:p>
+          <a:p>
+            <a:pPr lvl="1"/>
+            <a:r>
+              <a:rPr lang="en-US" dirty="0"/>
+              <a:t>Will it act like a variational Bayes model?</a:t>
+            </a:r>
+          </a:p>
+        </p:txBody>
+      </p:sp>
+    </p:spTree>
+    <p:extLst>
+      <p:ext uri="{BB962C8B-B14F-4D97-AF65-F5344CB8AC3E}">
+        <p14:creationId xmlns:p14="http://schemas.microsoft.com/office/powerpoint/2010/main" val="4270587496"/>
+      </p:ext>
+    </p:extLst>
+  </p:cSld>
+  <p:clrMapOvr>
+    <a:masterClrMapping/>
+  </p:clrMapOvr>
+</p:sld>
+</file>
+
+<file path=ppt/slides/slide11.xml><?xml version="1.0" encoding="utf-8"?>
+<p:sld xmlns:a="http://schemas.openxmlformats.org/drawingml/2006/main" xmlns:r="http://schemas.openxmlformats.org/officeDocument/2006/relationships" xmlns:p="http://schemas.openxmlformats.org/presentationml/2006/main">
+  <p:cSld>
+    <p:spTree>
+      <p:nvGrpSpPr>
+        <p:cNvPr id="1" name=""/>
+        <p:cNvGrpSpPr/>
+        <p:nvPr/>
+      </p:nvGrpSpPr>
+      <p:grpSpPr>
+        <a:xfrm>
+          <a:off x="0" y="0"/>
+          <a:ext cx="0" cy="0"/>
+          <a:chOff x="0" y="0"/>
+          <a:chExt cx="0" cy="0"/>
+        </a:xfrm>
+      </p:grpSpPr>
+      <p:pic>
+        <p:nvPicPr>
+          <p:cNvPr id="10" name="Picture 9" descr="A screenshot of a computer&#10;&#10;Description automatically generated">
+            <a:extLst>
+              <a:ext uri="{FF2B5EF4-FFF2-40B4-BE49-F238E27FC236}">
+                <a16:creationId xmlns:a16="http://schemas.microsoft.com/office/drawing/2014/main" id="{56CEAA18-958D-B154-6C3F-6104246AF9F3}"/>
+              </a:ext>
+            </a:extLst>
+          </p:cNvPr>
+          <p:cNvPicPr>
+            <a:picLocks noChangeAspect="1"/>
+          </p:cNvPicPr>
+          <p:nvPr/>
+        </p:nvPicPr>
+        <p:blipFill>
+          <a:blip r:embed="rId2">
+            <a:extLst>
+              <a:ext uri="{28A0092B-C50C-407E-A947-70E740481C1C}">
+                <a14:useLocalDpi xmlns:a14="http://schemas.microsoft.com/office/drawing/2010/main" val="0"/>
+              </a:ext>
+            </a:extLst>
+          </a:blip>
+          <a:stretch>
+            <a:fillRect/>
+          </a:stretch>
+        </p:blipFill>
+        <p:spPr>
+          <a:xfrm>
+            <a:off x="472508" y="984238"/>
+            <a:ext cx="11246984" cy="4889524"/>
+          </a:xfrm>
+          <a:prstGeom prst="rect">
+            <a:avLst/>
+          </a:prstGeom>
+        </p:spPr>
+      </p:pic>
+    </p:spTree>
+    <p:extLst>
+      <p:ext uri="{BB962C8B-B14F-4D97-AF65-F5344CB8AC3E}">
+        <p14:creationId xmlns:p14="http://schemas.microsoft.com/office/powerpoint/2010/main" val="3920521834"/>
+      </p:ext>
+    </p:extLst>
+  </p:cSld>
+  <p:clrMapOvr>
+    <a:masterClrMapping/>
+  </p:clrMapOvr>
+</p:sld>
+</file>
+
+<file path=ppt/slides/slide12.xml><?xml version="1.0" encoding="utf-8"?>
+<p:sld xmlns:a="http://schemas.openxmlformats.org/drawingml/2006/main" xmlns:r="http://schemas.openxmlformats.org/officeDocument/2006/relationships" xmlns:p="http://schemas.openxmlformats.org/presentationml/2006/main">
+  <p:cSld>
+    <p:spTree>
+      <p:nvGrpSpPr>
+        <p:cNvPr id="1" name=""/>
+        <p:cNvGrpSpPr/>
+        <p:nvPr/>
+      </p:nvGrpSpPr>
+      <p:grpSpPr>
+        <a:xfrm>
+          <a:off x="0" y="0"/>
+          <a:ext cx="0" cy="0"/>
+          <a:chOff x="0" y="0"/>
+          <a:chExt cx="0" cy="0"/>
+        </a:xfrm>
+      </p:grpSpPr>
+      <p:pic>
+        <p:nvPicPr>
+          <p:cNvPr id="10" name="Picture 9">
+            <a:extLst>
+              <a:ext uri="{FF2B5EF4-FFF2-40B4-BE49-F238E27FC236}">
+                <a16:creationId xmlns:a16="http://schemas.microsoft.com/office/drawing/2014/main" id="{56CEAA18-958D-B154-6C3F-6104246AF9F3}"/>
+              </a:ext>
+            </a:extLst>
+          </p:cNvPr>
+          <p:cNvPicPr>
+            <a:picLocks noChangeAspect="1"/>
+          </p:cNvPicPr>
+          <p:nvPr/>
+        </p:nvPicPr>
+        <p:blipFill>
+          <a:blip r:embed="rId2">
+            <a:extLst>
+              <a:ext uri="{28A0092B-C50C-407E-A947-70E740481C1C}">
+                <a14:useLocalDpi xmlns:a14="http://schemas.microsoft.com/office/drawing/2010/main" val="0"/>
+              </a:ext>
+            </a:extLst>
+          </a:blip>
+          <a:srcRect/>
+          <a:stretch/>
+        </p:blipFill>
+        <p:spPr>
+          <a:xfrm>
+            <a:off x="953838" y="984238"/>
+            <a:ext cx="10284324" cy="4889524"/>
+          </a:xfrm>
+          <a:prstGeom prst="rect">
+            <a:avLst/>
+          </a:prstGeom>
+        </p:spPr>
+      </p:pic>
+    </p:spTree>
+    <p:extLst>
+      <p:ext uri="{BB962C8B-B14F-4D97-AF65-F5344CB8AC3E}">
+        <p14:creationId xmlns:p14="http://schemas.microsoft.com/office/powerpoint/2010/main" val="815994825"/>
+      </p:ext>
+    </p:extLst>
+  </p:cSld>
+  <p:clrMapOvr>
+    <a:masterClrMapping/>
+  </p:clrMapOvr>
+</p:sld>
+</file>
+
+<file path=ppt/slides/slide13.xml><?xml version="1.0" encoding="utf-8"?>
+<p:sld xmlns:a="http://schemas.openxmlformats.org/drawingml/2006/main" xmlns:r="http://schemas.openxmlformats.org/officeDocument/2006/relationships" xmlns:p="http://schemas.openxmlformats.org/presentationml/2006/main">
+  <p:cSld>
+    <p:spTree>
+      <p:nvGrpSpPr>
+        <p:cNvPr id="1" name=""/>
+        <p:cNvGrpSpPr/>
+        <p:nvPr/>
+      </p:nvGrpSpPr>
+      <p:grpSpPr>
+        <a:xfrm>
+          <a:off x="0" y="0"/>
+          <a:ext cx="0" cy="0"/>
+          <a:chOff x="0" y="0"/>
+          <a:chExt cx="0" cy="0"/>
+        </a:xfrm>
+      </p:grpSpPr>
+      <p:pic>
+        <p:nvPicPr>
+          <p:cNvPr id="10" name="Picture 9">
+            <a:extLst>
+              <a:ext uri="{FF2B5EF4-FFF2-40B4-BE49-F238E27FC236}">
+                <a16:creationId xmlns:a16="http://schemas.microsoft.com/office/drawing/2014/main" id="{56CEAA18-958D-B154-6C3F-6104246AF9F3}"/>
+              </a:ext>
+            </a:extLst>
+          </p:cNvPr>
+          <p:cNvPicPr>
+            <a:picLocks noChangeAspect="1"/>
+          </p:cNvPicPr>
+          <p:nvPr/>
+        </p:nvPicPr>
+        <p:blipFill>
+          <a:blip r:embed="rId2">
+            <a:extLst>
+              <a:ext uri="{28A0092B-C50C-407E-A947-70E740481C1C}">
+                <a14:useLocalDpi xmlns:a14="http://schemas.microsoft.com/office/drawing/2010/main" val="0"/>
+              </a:ext>
+            </a:extLst>
+          </a:blip>
+          <a:srcRect/>
+          <a:stretch/>
+        </p:blipFill>
+        <p:spPr>
+          <a:xfrm>
+            <a:off x="953838" y="984238"/>
+            <a:ext cx="10284324" cy="4889523"/>
+          </a:xfrm>
+          <a:prstGeom prst="rect">
+            <a:avLst/>
+          </a:prstGeom>
+        </p:spPr>
+      </p:pic>
+    </p:spTree>
+    <p:extLst>
+      <p:ext uri="{BB962C8B-B14F-4D97-AF65-F5344CB8AC3E}">
+        <p14:creationId xmlns:p14="http://schemas.microsoft.com/office/powerpoint/2010/main" val="2079129818"/>
+      </p:ext>
+    </p:extLst>
+  </p:cSld>
+  <p:clrMapOvr>
+    <a:masterClrMapping/>
+  </p:clrMapOvr>
+</p:sld>
+</file>
+
+<file path=ppt/slides/slide14.xml><?xml version="1.0" encoding="utf-8"?>
+<p:sld xmlns:a="http://schemas.openxmlformats.org/drawingml/2006/main" xmlns:r="http://schemas.openxmlformats.org/officeDocument/2006/relationships" xmlns:p="http://schemas.openxmlformats.org/presentationml/2006/main">
+  <p:cSld>
+    <p:spTree>
+      <p:nvGrpSpPr>
+        <p:cNvPr id="1" name=""/>
+        <p:cNvGrpSpPr/>
+        <p:nvPr/>
+      </p:nvGrpSpPr>
+      <p:grpSpPr>
+        <a:xfrm>
+          <a:off x="0" y="0"/>
+          <a:ext cx="0" cy="0"/>
+          <a:chOff x="0" y="0"/>
+          <a:chExt cx="0" cy="0"/>
+        </a:xfrm>
+      </p:grpSpPr>
+      <p:sp>
+        <p:nvSpPr>
+          <p:cNvPr id="2" name="Title 1">
+            <a:extLst>
+              <a:ext uri="{FF2B5EF4-FFF2-40B4-BE49-F238E27FC236}">
+                <a16:creationId xmlns:a16="http://schemas.microsoft.com/office/drawing/2014/main" id="{9CB50B83-9A92-9E9F-3E8D-54BEADE9E2E0}"/>
+              </a:ext>
+            </a:extLst>
+          </p:cNvPr>
+          <p:cNvSpPr>
+            <a:spLocks noGrp="1"/>
+          </p:cNvSpPr>
+          <p:nvPr>
+            <p:ph type="title"/>
+          </p:nvPr>
+        </p:nvSpPr>
+        <p:spPr/>
+        <p:txBody>
+          <a:bodyPr/>
+          <a:lstStyle/>
+          <a:p>
+            <a:r>
+              <a:rPr lang="en-US" dirty="0">
+                <a:latin typeface="Bahnschrift" panose="020B0502040204020203" pitchFamily="34" charset="0"/>
+              </a:rPr>
+              <a:t>Reverse Engineering Approach</a:t>
+            </a:r>
+          </a:p>
+        </p:txBody>
+      </p:sp>
+      <p:sp>
+        <p:nvSpPr>
+          <p:cNvPr id="3" name="Content Placeholder 2">
+            <a:extLst>
+              <a:ext uri="{FF2B5EF4-FFF2-40B4-BE49-F238E27FC236}">
+                <a16:creationId xmlns:a16="http://schemas.microsoft.com/office/drawing/2014/main" id="{B83DC58C-0D91-1B9C-0756-968A19EB7540}"/>
+              </a:ext>
+            </a:extLst>
+          </p:cNvPr>
+          <p:cNvSpPr>
+            <a:spLocks noGrp="1"/>
+          </p:cNvSpPr>
+          <p:nvPr>
+            <p:ph idx="1"/>
+          </p:nvPr>
+        </p:nvSpPr>
+        <p:spPr/>
+        <p:txBody>
+          <a:bodyPr/>
+          <a:lstStyle/>
+          <a:p>
+            <a:endParaRPr lang="en-US"/>
+          </a:p>
+        </p:txBody>
+      </p:sp>
+    </p:spTree>
+    <p:extLst>
+      <p:ext uri="{BB962C8B-B14F-4D97-AF65-F5344CB8AC3E}">
+        <p14:creationId xmlns:p14="http://schemas.microsoft.com/office/powerpoint/2010/main" val="686603462"/>
+      </p:ext>
+    </p:extLst>
+  </p:cSld>
+  <p:clrMapOvr>
+    <a:masterClrMapping/>
+  </p:clrMapOvr>
+</p:sld>
+</file>
+
+<file path=ppt/slides/slide15.xml><?xml version="1.0" encoding="utf-8"?>
+<p:sld xmlns:a="http://schemas.openxmlformats.org/drawingml/2006/main" xmlns:r="http://schemas.openxmlformats.org/officeDocument/2006/relationships" xmlns:p="http://schemas.openxmlformats.org/presentationml/2006/main">
+  <p:cSld>
+    <p:spTree>
+      <p:nvGrpSpPr>
+        <p:cNvPr id="1" name=""/>
+        <p:cNvGrpSpPr/>
+        <p:nvPr/>
+      </p:nvGrpSpPr>
+      <p:grpSpPr>
+        <a:xfrm>
+          <a:off x="0" y="0"/>
+          <a:ext cx="0" cy="0"/>
+          <a:chOff x="0" y="0"/>
+          <a:chExt cx="0" cy="0"/>
+        </a:xfrm>
+      </p:grpSpPr>
+      <p:sp>
+        <p:nvSpPr>
+          <p:cNvPr id="2" name="Title 1">
+            <a:extLst>
+              <a:ext uri="{FF2B5EF4-FFF2-40B4-BE49-F238E27FC236}">
+                <a16:creationId xmlns:a16="http://schemas.microsoft.com/office/drawing/2014/main" id="{9CB50B83-9A92-9E9F-3E8D-54BEADE9E2E0}"/>
+              </a:ext>
+            </a:extLst>
+          </p:cNvPr>
+          <p:cNvSpPr>
+            <a:spLocks noGrp="1"/>
+          </p:cNvSpPr>
+          <p:nvPr>
+            <p:ph type="title"/>
+          </p:nvPr>
+        </p:nvSpPr>
+        <p:spPr/>
+        <p:txBody>
+          <a:bodyPr/>
+          <a:lstStyle/>
+          <a:p>
+            <a:r>
+              <a:rPr lang="en-US" dirty="0">
+                <a:latin typeface="Bahnschrift" panose="020B0502040204020203" pitchFamily="34" charset="0"/>
+              </a:rPr>
+              <a:t>Variational Bayes</a:t>
+            </a:r>
+          </a:p>
+        </p:txBody>
+      </p:sp>
+      <p:sp>
+        <p:nvSpPr>
+          <p:cNvPr id="3" name="Content Placeholder 2">
+            <a:extLst>
+              <a:ext uri="{FF2B5EF4-FFF2-40B4-BE49-F238E27FC236}">
+                <a16:creationId xmlns:a16="http://schemas.microsoft.com/office/drawing/2014/main" id="{B83DC58C-0D91-1B9C-0756-968A19EB7540}"/>
+              </a:ext>
+            </a:extLst>
+          </p:cNvPr>
+          <p:cNvSpPr>
+            <a:spLocks noGrp="1"/>
+          </p:cNvSpPr>
+          <p:nvPr>
+            <p:ph idx="1"/>
+          </p:nvPr>
+        </p:nvSpPr>
+        <p:spPr/>
+        <p:txBody>
+          <a:bodyPr/>
+          <a:lstStyle/>
+          <a:p>
+            <a:endParaRPr lang="en-US"/>
+          </a:p>
+        </p:txBody>
+      </p:sp>
+    </p:spTree>
+    <p:extLst>
+      <p:ext uri="{BB962C8B-B14F-4D97-AF65-F5344CB8AC3E}">
+        <p14:creationId xmlns:p14="http://schemas.microsoft.com/office/powerpoint/2010/main" val="2421232450"/>
+      </p:ext>
+    </p:extLst>
+  </p:cSld>
+  <p:clrMapOvr>
+    <a:masterClrMapping/>
+  </p:clrMapOvr>
+</p:sld>
+</file>
+
+<file path=ppt/slides/slide16.xml><?xml version="1.0" encoding="utf-8"?>
+<p:sld xmlns:a="http://schemas.openxmlformats.org/drawingml/2006/main" xmlns:r="http://schemas.openxmlformats.org/officeDocument/2006/relationships" xmlns:p="http://schemas.openxmlformats.org/presentationml/2006/main">
+  <p:cSld>
+    <p:spTree>
+      <p:nvGrpSpPr>
+        <p:cNvPr id="1" name=""/>
+        <p:cNvGrpSpPr/>
+        <p:nvPr/>
+      </p:nvGrpSpPr>
+      <p:grpSpPr>
+        <a:xfrm>
+          <a:off x="0" y="0"/>
+          <a:ext cx="0" cy="0"/>
+          <a:chOff x="0" y="0"/>
+          <a:chExt cx="0" cy="0"/>
+        </a:xfrm>
+      </p:grpSpPr>
+      <p:sp>
+        <p:nvSpPr>
+          <p:cNvPr id="2" name="Title 1">
+            <a:extLst>
+              <a:ext uri="{FF2B5EF4-FFF2-40B4-BE49-F238E27FC236}">
+                <a16:creationId xmlns:a16="http://schemas.microsoft.com/office/drawing/2014/main" id="{9CB50B83-9A92-9E9F-3E8D-54BEADE9E2E0}"/>
+              </a:ext>
+            </a:extLst>
+          </p:cNvPr>
+          <p:cNvSpPr>
+            <a:spLocks noGrp="1"/>
+          </p:cNvSpPr>
+          <p:nvPr>
+            <p:ph type="title"/>
+          </p:nvPr>
+        </p:nvSpPr>
+        <p:spPr/>
+        <p:txBody>
+          <a:bodyPr/>
+          <a:lstStyle/>
+          <a:p>
+            <a:r>
+              <a:rPr lang="en-US" dirty="0">
+                <a:latin typeface="Bahnschrift" panose="020B0502040204020203" pitchFamily="34" charset="0"/>
+              </a:rPr>
+              <a:t>POMDP Generative Model</a:t>
+            </a:r>
+          </a:p>
+        </p:txBody>
+      </p:sp>
+      <p:sp>
+        <p:nvSpPr>
+          <p:cNvPr id="3" name="Content Placeholder 2">
+            <a:extLst>
+              <a:ext uri="{FF2B5EF4-FFF2-40B4-BE49-F238E27FC236}">
+                <a16:creationId xmlns:a16="http://schemas.microsoft.com/office/drawing/2014/main" id="{B83DC58C-0D91-1B9C-0756-968A19EB7540}"/>
+              </a:ext>
+            </a:extLst>
+          </p:cNvPr>
+          <p:cNvSpPr>
+            <a:spLocks noGrp="1"/>
+          </p:cNvSpPr>
+          <p:nvPr>
+            <p:ph idx="1"/>
+          </p:nvPr>
+        </p:nvSpPr>
+        <p:spPr/>
+        <p:txBody>
+          <a:bodyPr/>
+          <a:lstStyle/>
+          <a:p>
+            <a:endParaRPr lang="en-US"/>
+          </a:p>
+        </p:txBody>
+      </p:sp>
+    </p:spTree>
+    <p:extLst>
+      <p:ext uri="{BB962C8B-B14F-4D97-AF65-F5344CB8AC3E}">
+        <p14:creationId xmlns:p14="http://schemas.microsoft.com/office/powerpoint/2010/main" val="74422018"/>
+      </p:ext>
+    </p:extLst>
+  </p:cSld>
+  <p:clrMapOvr>
+    <a:masterClrMapping/>
+  </p:clrMapOvr>
+</p:sld>
+</file>
+
+<file path=ppt/slides/slide17.xml><?xml version="1.0" encoding="utf-8"?>
+<p:sld xmlns:a="http://schemas.openxmlformats.org/drawingml/2006/main" xmlns:r="http://schemas.openxmlformats.org/officeDocument/2006/relationships" xmlns:p="http://schemas.openxmlformats.org/presentationml/2006/main">
+  <p:cSld>
+    <p:spTree>
+      <p:nvGrpSpPr>
+        <p:cNvPr id="1" name=""/>
+        <p:cNvGrpSpPr/>
+        <p:nvPr/>
+      </p:nvGrpSpPr>
+      <p:grpSpPr>
+        <a:xfrm>
+          <a:off x="0" y="0"/>
+          <a:ext cx="0" cy="0"/>
+          <a:chOff x="0" y="0"/>
+          <a:chExt cx="0" cy="0"/>
+        </a:xfrm>
+      </p:grpSpPr>
+      <p:sp>
+        <p:nvSpPr>
+          <p:cNvPr id="2" name="Title 1">
+            <a:extLst>
+              <a:ext uri="{FF2B5EF4-FFF2-40B4-BE49-F238E27FC236}">
+                <a16:creationId xmlns:a16="http://schemas.microsoft.com/office/drawing/2014/main" id="{9CB50B83-9A92-9E9F-3E8D-54BEADE9E2E0}"/>
+              </a:ext>
+            </a:extLst>
+          </p:cNvPr>
+          <p:cNvSpPr>
+            <a:spLocks noGrp="1"/>
+          </p:cNvSpPr>
+          <p:nvPr>
+            <p:ph type="title"/>
+          </p:nvPr>
+        </p:nvSpPr>
+        <p:spPr/>
+        <p:txBody>
+          <a:bodyPr/>
+          <a:lstStyle/>
+          <a:p>
+            <a:r>
+              <a:rPr lang="en-US" dirty="0">
+                <a:latin typeface="Bahnschrift" panose="020B0502040204020203" pitchFamily="34" charset="0"/>
+              </a:rPr>
+              <a:t>Discuss</a:t>
+            </a:r>
+          </a:p>
+        </p:txBody>
+      </p:sp>
+      <p:sp>
+        <p:nvSpPr>
+          <p:cNvPr id="3" name="Content Placeholder 2">
+            <a:extLst>
+              <a:ext uri="{FF2B5EF4-FFF2-40B4-BE49-F238E27FC236}">
+                <a16:creationId xmlns:a16="http://schemas.microsoft.com/office/drawing/2014/main" id="{B83DC58C-0D91-1B9C-0756-968A19EB7540}"/>
+              </a:ext>
+            </a:extLst>
+          </p:cNvPr>
+          <p:cNvSpPr>
+            <a:spLocks noGrp="1"/>
+          </p:cNvSpPr>
+          <p:nvPr>
+            <p:ph idx="1"/>
+          </p:nvPr>
+        </p:nvSpPr>
+        <p:spPr/>
+        <p:txBody>
+          <a:bodyPr/>
+          <a:lstStyle/>
+          <a:p>
+            <a:r>
+              <a:rPr lang="en-US" dirty="0">
+                <a:latin typeface="Bahnschrift" panose="020B0502040204020203" pitchFamily="34" charset="0"/>
+              </a:rPr>
+              <a:t>What is the value in a grand unified theory of the brain?</a:t>
+            </a:r>
+          </a:p>
+          <a:p>
+            <a:pPr lvl="1"/>
+            <a:r>
+              <a:rPr lang="en-US" dirty="0">
+                <a:latin typeface="Bahnschrift" panose="020B0502040204020203" pitchFamily="34" charset="0"/>
+              </a:rPr>
+              <a:t>For neuroscience?</a:t>
+            </a:r>
+          </a:p>
+          <a:p>
+            <a:pPr lvl="1"/>
+            <a:r>
+              <a:rPr lang="en-US" dirty="0">
+                <a:latin typeface="Bahnschrift" panose="020B0502040204020203" pitchFamily="34" charset="0"/>
+              </a:rPr>
+              <a:t>For psychology?</a:t>
+            </a:r>
+          </a:p>
+          <a:p>
+            <a:r>
+              <a:rPr lang="en-US" dirty="0">
+                <a:latin typeface="Bahnschrift" panose="020B0502040204020203" pitchFamily="34" charset="0"/>
+              </a:rPr>
+              <a:t>FEP counterexamples?</a:t>
+            </a:r>
+          </a:p>
+          <a:p>
+            <a:endParaRPr lang="en-US" dirty="0">
+              <a:latin typeface="Bahnschrift" panose="020B0502040204020203" pitchFamily="34" charset="0"/>
+            </a:endParaRPr>
+          </a:p>
+        </p:txBody>
+      </p:sp>
+    </p:spTree>
+    <p:extLst>
+      <p:ext uri="{BB962C8B-B14F-4D97-AF65-F5344CB8AC3E}">
+        <p14:creationId xmlns:p14="http://schemas.microsoft.com/office/powerpoint/2010/main" val="421584334"/>
+      </p:ext>
+    </p:extLst>
+  </p:cSld>
+  <p:clrMapOvr>
+    <a:masterClrMapping/>
+  </p:clrMapOvr>
+</p:sld>
+</file>
+
+<file path=ppt/slides/slide18.xml><?xml version="1.0" encoding="utf-8"?>
+<p:sld xmlns:a="http://schemas.openxmlformats.org/drawingml/2006/main" xmlns:r="http://schemas.openxmlformats.org/officeDocument/2006/relationships" xmlns:p="http://schemas.openxmlformats.org/presentationml/2006/main">
+  <p:cSld>
+    <p:spTree>
+      <p:nvGrpSpPr>
+        <p:cNvPr id="1" name=""/>
+        <p:cNvGrpSpPr/>
+        <p:nvPr/>
+      </p:nvGrpSpPr>
+      <p:grpSpPr>
+        <a:xfrm>
+          <a:off x="0" y="0"/>
+          <a:ext cx="0" cy="0"/>
+          <a:chOff x="0" y="0"/>
+          <a:chExt cx="0" cy="0"/>
+        </a:xfrm>
+      </p:grpSpPr>
+      <p:sp>
+        <p:nvSpPr>
+          <p:cNvPr id="2" name="Title 1">
+            <a:extLst>
+              <a:ext uri="{FF2B5EF4-FFF2-40B4-BE49-F238E27FC236}">
+                <a16:creationId xmlns:a16="http://schemas.microsoft.com/office/drawing/2014/main" id="{9CB50B83-9A92-9E9F-3E8D-54BEADE9E2E0}"/>
+              </a:ext>
+            </a:extLst>
+          </p:cNvPr>
+          <p:cNvSpPr>
+            <a:spLocks noGrp="1"/>
+          </p:cNvSpPr>
+          <p:nvPr>
+            <p:ph type="title"/>
+          </p:nvPr>
+        </p:nvSpPr>
+        <p:spPr/>
+        <p:txBody>
+          <a:bodyPr/>
+          <a:lstStyle/>
+          <a:p>
+            <a:r>
+              <a:rPr lang="en-US" dirty="0">
+                <a:latin typeface="Bahnschrift" panose="020B0502040204020203" pitchFamily="34" charset="0"/>
+              </a:rPr>
+              <a:t>Discuss</a:t>
+            </a:r>
+          </a:p>
+        </p:txBody>
+      </p:sp>
+      <p:sp>
+        <p:nvSpPr>
+          <p:cNvPr id="3" name="Content Placeholder 2">
+            <a:extLst>
+              <a:ext uri="{FF2B5EF4-FFF2-40B4-BE49-F238E27FC236}">
+                <a16:creationId xmlns:a16="http://schemas.microsoft.com/office/drawing/2014/main" id="{B83DC58C-0D91-1B9C-0756-968A19EB7540}"/>
+              </a:ext>
+            </a:extLst>
+          </p:cNvPr>
+          <p:cNvSpPr>
+            <a:spLocks noGrp="1"/>
+          </p:cNvSpPr>
+          <p:nvPr>
+            <p:ph idx="1"/>
+          </p:nvPr>
+        </p:nvSpPr>
+        <p:spPr/>
+        <p:txBody>
+          <a:bodyPr/>
+          <a:lstStyle/>
+          <a:p>
+            <a:r>
+              <a:rPr lang="en-US" dirty="0">
+                <a:latin typeface="Bahnschrift" panose="020B0502040204020203" pitchFamily="34" charset="0"/>
+              </a:rPr>
+              <a:t>FEP counterexamples?</a:t>
+            </a:r>
+          </a:p>
+          <a:p>
+            <a:endParaRPr lang="en-US" dirty="0">
+              <a:latin typeface="Bahnschrift" panose="020B0502040204020203" pitchFamily="34" charset="0"/>
+            </a:endParaRPr>
+          </a:p>
+        </p:txBody>
+      </p:sp>
+    </p:spTree>
+    <p:extLst>
+      <p:ext uri="{BB962C8B-B14F-4D97-AF65-F5344CB8AC3E}">
+        <p14:creationId xmlns:p14="http://schemas.microsoft.com/office/powerpoint/2010/main" val="3684265165"/>
+      </p:ext>
+    </p:extLst>
+  </p:cSld>
+  <p:clrMapOvr>
+    <a:masterClrMapping/>
+  </p:clrMapOvr>
+</p:sld>
+</file>
+
+<file path=ppt/slides/slide19.xml><?xml version="1.0" encoding="utf-8"?>
+<p:sld xmlns:a="http://schemas.openxmlformats.org/drawingml/2006/main" xmlns:r="http://schemas.openxmlformats.org/officeDocument/2006/relationships" xmlns:p="http://schemas.openxmlformats.org/presentationml/2006/main">
+  <p:cSld>
+    <p:spTree>
+      <p:nvGrpSpPr>
+        <p:cNvPr id="1" name=""/>
+        <p:cNvGrpSpPr/>
+        <p:nvPr/>
+      </p:nvGrpSpPr>
+      <p:grpSpPr>
+        <a:xfrm>
+          <a:off x="0" y="0"/>
+          <a:ext cx="0" cy="0"/>
+          <a:chOff x="0" y="0"/>
+          <a:chExt cx="0" cy="0"/>
+        </a:xfrm>
+      </p:grpSpPr>
+      <p:sp>
+        <p:nvSpPr>
+          <p:cNvPr id="2" name="Title 1">
+            <a:extLst>
+              <a:ext uri="{FF2B5EF4-FFF2-40B4-BE49-F238E27FC236}">
+                <a16:creationId xmlns:a16="http://schemas.microsoft.com/office/drawing/2014/main" id="{9CB50B83-9A92-9E9F-3E8D-54BEADE9E2E0}"/>
+              </a:ext>
+            </a:extLst>
+          </p:cNvPr>
+          <p:cNvSpPr>
+            <a:spLocks noGrp="1"/>
+          </p:cNvSpPr>
+          <p:nvPr>
+            <p:ph type="title"/>
+          </p:nvPr>
+        </p:nvSpPr>
+        <p:spPr/>
+        <p:txBody>
+          <a:bodyPr/>
+          <a:lstStyle/>
+          <a:p>
+            <a:r>
+              <a:rPr lang="en-US" dirty="0">
+                <a:latin typeface="Bahnschrift" panose="020B0502040204020203" pitchFamily="34" charset="0"/>
+              </a:rPr>
+              <a:t>Discuss</a:t>
+            </a:r>
+          </a:p>
+        </p:txBody>
+      </p:sp>
+      <p:sp>
+        <p:nvSpPr>
+          <p:cNvPr id="3" name="Content Placeholder 2">
+            <a:extLst>
+              <a:ext uri="{FF2B5EF4-FFF2-40B4-BE49-F238E27FC236}">
+                <a16:creationId xmlns:a16="http://schemas.microsoft.com/office/drawing/2014/main" id="{B83DC58C-0D91-1B9C-0756-968A19EB7540}"/>
+              </a:ext>
+            </a:extLst>
+          </p:cNvPr>
+          <p:cNvSpPr>
+            <a:spLocks noGrp="1"/>
+          </p:cNvSpPr>
+          <p:nvPr>
+            <p:ph idx="1"/>
+          </p:nvPr>
+        </p:nvSpPr>
+        <p:spPr/>
+        <p:txBody>
+          <a:bodyPr/>
+          <a:lstStyle/>
+          <a:p>
+            <a:r>
+              <a:rPr lang="en-US" dirty="0">
+                <a:latin typeface="Bahnschrift" panose="020B0502040204020203" pitchFamily="34" charset="0"/>
+              </a:rPr>
+              <a:t>What are the upper bounds on what a brain predicts?</a:t>
+            </a:r>
+          </a:p>
+          <a:p>
+            <a:pPr lvl="1"/>
+            <a:r>
+              <a:rPr lang="en-US" dirty="0">
+                <a:latin typeface="Bahnschrift" panose="020B0502040204020203" pitchFamily="34" charset="0"/>
+              </a:rPr>
+              <a:t>Are they limited by perception?</a:t>
+            </a:r>
+          </a:p>
+          <a:p>
+            <a:pPr lvl="1"/>
+            <a:r>
+              <a:rPr lang="en-US" dirty="0">
+                <a:latin typeface="Bahnschrift" panose="020B0502040204020203" pitchFamily="34" charset="0"/>
+              </a:rPr>
+              <a:t>Compute? </a:t>
+            </a:r>
+          </a:p>
+          <a:p>
+            <a:pPr lvl="1"/>
+            <a:r>
+              <a:rPr lang="en-US" dirty="0">
+                <a:latin typeface="Bahnschrift" panose="020B0502040204020203" pitchFamily="34" charset="0"/>
+              </a:rPr>
+              <a:t>Action?</a:t>
+            </a:r>
+          </a:p>
+          <a:p>
+            <a:pPr lvl="1"/>
+            <a:endParaRPr lang="en-US" dirty="0">
+              <a:latin typeface="Bahnschrift" panose="020B0502040204020203" pitchFamily="34" charset="0"/>
+            </a:endParaRPr>
+          </a:p>
+          <a:p>
+            <a:endParaRPr lang="en-US" dirty="0">
+              <a:latin typeface="Bahnschrift" panose="020B0502040204020203" pitchFamily="34" charset="0"/>
+            </a:endParaRPr>
+          </a:p>
+        </p:txBody>
+      </p:sp>
+    </p:spTree>
+    <p:extLst>
+      <p:ext uri="{BB962C8B-B14F-4D97-AF65-F5344CB8AC3E}">
+        <p14:creationId xmlns:p14="http://schemas.microsoft.com/office/powerpoint/2010/main" val="2712121884"/>
       </p:ext>
     </p:extLst>
   </p:cSld>
@@ -3435,10 +5053,11 @@
           <a:lstStyle/>
           <a:p>
             <a:r>
-              <a:rPr lang="en-US"/>
-              <a:t>Friston</a:t>
-            </a:r>
-            <a:endParaRPr lang="en-US" dirty="0"/>
+              <a:rPr lang="en-US" dirty="0">
+                <a:latin typeface="Bahnschrift" panose="020B0502040204020203" pitchFamily="34" charset="0"/>
+              </a:rPr>
+              <a:t>Free Energy Principle</a:t>
+            </a:r>
           </a:p>
         </p:txBody>
       </p:sp>
@@ -3458,12 +5077,49 @@
             <p:ph idx="1"/>
           </p:nvPr>
         </p:nvSpPr>
-        <p:spPr/>
-        <p:txBody>
-          <a:bodyPr/>
-          <a:lstStyle/>
-          <a:p>
-            <a:endParaRPr lang="en-US"/>
+        <p:spPr>
+          <a:xfrm>
+            <a:off x="838200" y="1825625"/>
+            <a:ext cx="11113008" cy="4351338"/>
+          </a:xfrm>
+        </p:spPr>
+        <p:txBody>
+          <a:bodyPr/>
+          <a:lstStyle/>
+          <a:p>
+            <a:r>
+              <a:rPr lang="en-US" dirty="0">
+                <a:latin typeface="Bahnschrift" panose="020B0502040204020203" pitchFamily="34" charset="0"/>
+              </a:rPr>
+              <a:t>Karl Friston</a:t>
+            </a:r>
+          </a:p>
+          <a:p>
+            <a:pPr lvl="1"/>
+            <a:r>
+              <a:rPr lang="en-US" sz="2000" dirty="0">
+                <a:latin typeface="Bahnschrift" panose="020B0502040204020203" pitchFamily="34" charset="0"/>
+              </a:rPr>
+              <a:t>Statistical parametric maps in functional imaging: a general linear approach (1994)</a:t>
+            </a:r>
+          </a:p>
+          <a:p>
+            <a:pPr lvl="1"/>
+            <a:r>
+              <a:rPr lang="en-US" sz="2000" dirty="0">
+                <a:latin typeface="Bahnschrift" panose="020B0502040204020203" pitchFamily="34" charset="0"/>
+              </a:rPr>
+              <a:t>Dynamic Causal Modeling (2003)</a:t>
+            </a:r>
+          </a:p>
+          <a:p>
+            <a:pPr lvl="1"/>
+            <a:r>
+              <a:rPr lang="en-US" sz="2000" dirty="0">
+                <a:latin typeface="Bahnschrift" panose="020B0502040204020203" pitchFamily="34" charset="0"/>
+              </a:rPr>
+              <a:t>The free-energy principle: a unified brain theory? (2010)</a:t>
+            </a:r>
           </a:p>
         </p:txBody>
       </p:sp>
@@ -3519,7 +5175,9 @@
           <a:lstStyle/>
           <a:p>
             <a:r>
-              <a:rPr lang="en-US" dirty="0"/>
+              <a:rPr lang="en-US" dirty="0">
+                <a:latin typeface="Bahnschrift" panose="020B0502040204020203" pitchFamily="34" charset="0"/>
+              </a:rPr>
               <a:t>Free Energy Principle</a:t>
             </a:r>
           </a:p>
@@ -3541,27 +5199,48 @@
             <p:ph idx="1"/>
           </p:nvPr>
         </p:nvSpPr>
-        <p:spPr/>
-        <p:txBody>
-          <a:bodyPr/>
-          <a:lstStyle/>
-          <a:p>
-            <a:r>
-              <a:rPr lang="en-US" dirty="0"/>
-              <a:t>“Surprise” = Entropy</a:t>
-            </a:r>
-          </a:p>
-          <a:p>
-            <a:r>
-              <a:rPr lang="en-US" dirty="0"/>
-              <a:t>“Belief” = Free energy minimization</a:t>
+        <p:spPr>
+          <a:xfrm>
+            <a:off x="838200" y="1825625"/>
+            <a:ext cx="11113008" cy="4351338"/>
+          </a:xfrm>
+        </p:spPr>
+        <p:txBody>
+          <a:bodyPr/>
+          <a:lstStyle/>
+          <a:p>
+            <a:r>
+              <a:rPr lang="en-US" dirty="0">
+                <a:latin typeface="Bahnschrift" panose="020B0502040204020203" pitchFamily="34" charset="0"/>
+              </a:rPr>
+              <a:t>Karl Friston</a:t>
             </a:r>
           </a:p>
           <a:p>
             <a:pPr lvl="1"/>
             <a:r>
-              <a:rPr lang="en-US" dirty="0"/>
-              <a:t>Isomura (2023) asserts that belief is encoded in synaptic strength</a:t>
+              <a:rPr lang="en-US" sz="2000" dirty="0">
+                <a:latin typeface="Bahnschrift" panose="020B0502040204020203" pitchFamily="34" charset="0"/>
+              </a:rPr>
+              <a:t>Statistical parametric maps in functional imaging: a general linear approach (1994)</a:t>
+            </a:r>
+          </a:p>
+          <a:p>
+            <a:pPr lvl="1"/>
+            <a:r>
+              <a:rPr lang="en-US" sz="2000" dirty="0">
+                <a:latin typeface="Bahnschrift" panose="020B0502040204020203" pitchFamily="34" charset="0"/>
+              </a:rPr>
+              <a:t>Dynamic Causal Modeling (2003)</a:t>
+            </a:r>
+          </a:p>
+          <a:p>
+            <a:pPr lvl="1"/>
+            <a:r>
+              <a:rPr lang="en-US" sz="2000" dirty="0">
+                <a:latin typeface="Bahnschrift" panose="020B0502040204020203" pitchFamily="34" charset="0"/>
+              </a:rPr>
+              <a:t>The free-energy principle: a unified brain theory? (2010)</a:t>
             </a:r>
           </a:p>
         </p:txBody>
@@ -3569,7 +5248,7 @@
     </p:spTree>
     <p:extLst>
       <p:ext uri="{BB962C8B-B14F-4D97-AF65-F5344CB8AC3E}">
-        <p14:creationId xmlns:p14="http://schemas.microsoft.com/office/powerpoint/2010/main" val="2011825455"/>
+        <p14:creationId xmlns:p14="http://schemas.microsoft.com/office/powerpoint/2010/main" val="3761204647"/>
       </p:ext>
     </p:extLst>
   </p:cSld>
@@ -3619,56 +5298,66 @@
           <a:p>
             <a:r>
               <a:rPr lang="en-US" dirty="0">
-                <a:solidFill>
-                  <a:schemeClr val="bg1">
-                    <a:lumMod val="65000"/>
-                  </a:schemeClr>
-                </a:solidFill>
+                <a:latin typeface="Bahnschrift" panose="020B0502040204020203" pitchFamily="34" charset="0"/>
               </a:rPr>
               <a:t>Free Energy Principle</a:t>
             </a:r>
-          </a:p>
-        </p:txBody>
-      </p:sp>
-      <p:pic>
-        <p:nvPicPr>
-          <p:cNvPr id="5" name="Content Placeholder 4" descr="A diagram of a mathematical model&#10;&#10;Description automatically generated">
-            <a:extLst>
-              <a:ext uri="{FF2B5EF4-FFF2-40B4-BE49-F238E27FC236}">
-                <a16:creationId xmlns:a16="http://schemas.microsoft.com/office/drawing/2014/main" id="{3A3F493C-445E-16BD-DF44-12A907E87BE3}"/>
-              </a:ext>
-            </a:extLst>
-          </p:cNvPr>
-          <p:cNvPicPr>
-            <a:picLocks noGrp="1" noChangeAspect="1"/>
-          </p:cNvPicPr>
+            <a:endParaRPr lang="en-US" dirty="0"/>
+          </a:p>
+        </p:txBody>
+      </p:sp>
+      <p:sp>
+        <p:nvSpPr>
+          <p:cNvPr id="3" name="Content Placeholder 2">
+            <a:extLst>
+              <a:ext uri="{FF2B5EF4-FFF2-40B4-BE49-F238E27FC236}">
+                <a16:creationId xmlns:a16="http://schemas.microsoft.com/office/drawing/2014/main" id="{B83DC58C-0D91-1B9C-0756-968A19EB7540}"/>
+              </a:ext>
+            </a:extLst>
+          </p:cNvPr>
+          <p:cNvSpPr>
+            <a:spLocks noGrp="1"/>
+          </p:cNvSpPr>
           <p:nvPr>
             <p:ph idx="1"/>
           </p:nvPr>
-        </p:nvPicPr>
-        <p:blipFill>
-          <a:blip r:embed="rId2">
-            <a:extLst>
-              <a:ext uri="{28A0092B-C50C-407E-A947-70E740481C1C}">
-                <a14:useLocalDpi xmlns:a14="http://schemas.microsoft.com/office/drawing/2010/main" val="0"/>
-              </a:ext>
-            </a:extLst>
-          </a:blip>
-          <a:stretch>
-            <a:fillRect/>
-          </a:stretch>
-        </p:blipFill>
-        <p:spPr>
-          <a:xfrm>
-            <a:off x="2560162" y="1690688"/>
-            <a:ext cx="7071676" cy="4351338"/>
-          </a:xfrm>
-        </p:spPr>
-      </p:pic>
+        </p:nvSpPr>
+        <p:spPr/>
+        <p:txBody>
+          <a:bodyPr/>
+          <a:lstStyle/>
+          <a:p>
+            <a:r>
+              <a:rPr lang="en-US" dirty="0"/>
+              <a:t>“Surprise” = Free Energy</a:t>
+            </a:r>
+          </a:p>
+          <a:p>
+            <a:r>
+              <a:rPr lang="en-US" dirty="0"/>
+              <a:t>“Belief” = Free energy minimization</a:t>
+            </a:r>
+          </a:p>
+          <a:p>
+            <a:pPr lvl="1"/>
+            <a:r>
+              <a:rPr lang="en-US" dirty="0"/>
+              <a:t>Isomura (2023) asserts that belief is encoded in synaptic strength</a:t>
+            </a:r>
+          </a:p>
+          <a:p>
+            <a:pPr lvl="1"/>
+            <a:r>
+              <a:rPr lang="en-US" dirty="0"/>
+              <a:t>Attempts empirical validation of the FEP. </a:t>
+            </a:r>
+          </a:p>
+        </p:txBody>
+      </p:sp>
     </p:spTree>
     <p:extLst>
       <p:ext uri="{BB962C8B-B14F-4D97-AF65-F5344CB8AC3E}">
-        <p14:creationId xmlns:p14="http://schemas.microsoft.com/office/powerpoint/2010/main" val="3411027427"/>
+        <p14:creationId xmlns:p14="http://schemas.microsoft.com/office/powerpoint/2010/main" val="2011825455"/>
       </p:ext>
     </p:extLst>
   </p:cSld>
@@ -3717,56 +5406,110 @@
           <a:lstStyle/>
           <a:p>
             <a:r>
-              <a:rPr lang="en-US" dirty="0"/>
-              <a:t>The free-energy principle:</a:t>
-            </a:r>
-            <a:br>
-              <a:rPr lang="en-US" dirty="0"/>
-            </a:br>
-            <a:r>
-              <a:rPr lang="en-US" dirty="0"/>
-              <a:t>a unified brain theory</a:t>
-            </a:r>
-          </a:p>
-        </p:txBody>
-      </p:sp>
-      <p:sp>
-        <p:nvSpPr>
-          <p:cNvPr id="3" name="Content Placeholder 2">
-            <a:extLst>
-              <a:ext uri="{FF2B5EF4-FFF2-40B4-BE49-F238E27FC236}">
-                <a16:creationId xmlns:a16="http://schemas.microsoft.com/office/drawing/2014/main" id="{B83DC58C-0D91-1B9C-0756-968A19EB7540}"/>
-              </a:ext>
-            </a:extLst>
-          </p:cNvPr>
-          <p:cNvSpPr>
-            <a:spLocks noGrp="1"/>
-          </p:cNvSpPr>
+              <a:rPr lang="en-US" dirty="0">
+                <a:solidFill>
+                  <a:schemeClr val="bg1">
+                    <a:lumMod val="65000"/>
+                  </a:schemeClr>
+                </a:solidFill>
+                <a:latin typeface="Bahnschrift" panose="020B0502040204020203" pitchFamily="34" charset="0"/>
+              </a:rPr>
+              <a:t>Free Energy Principle</a:t>
+            </a:r>
+          </a:p>
+        </p:txBody>
+      </p:sp>
+      <p:pic>
+        <p:nvPicPr>
+          <p:cNvPr id="5" name="Content Placeholder 4" descr="A diagram of a mathematical model&#10;&#10;Description automatically generated">
+            <a:extLst>
+              <a:ext uri="{FF2B5EF4-FFF2-40B4-BE49-F238E27FC236}">
+                <a16:creationId xmlns:a16="http://schemas.microsoft.com/office/drawing/2014/main" id="{3A3F493C-445E-16BD-DF44-12A907E87BE3}"/>
+              </a:ext>
+            </a:extLst>
+          </p:cNvPr>
+          <p:cNvPicPr>
+            <a:picLocks noGrp="1" noChangeAspect="1"/>
+          </p:cNvPicPr>
           <p:nvPr>
             <p:ph idx="1"/>
           </p:nvPr>
-        </p:nvSpPr>
-        <p:spPr/>
-        <p:txBody>
-          <a:bodyPr/>
-          <a:lstStyle/>
-          <a:p>
-            <a:r>
-              <a:rPr lang="en-US" dirty="0"/>
+        </p:nvPicPr>
+        <p:blipFill>
+          <a:blip r:embed="rId2">
+            <a:extLst>
+              <a:ext uri="{28A0092B-C50C-407E-A947-70E740481C1C}">
+                <a14:useLocalDpi xmlns:a14="http://schemas.microsoft.com/office/drawing/2010/main" val="0"/>
+              </a:ext>
+            </a:extLst>
+          </a:blip>
+          <a:stretch>
+            <a:fillRect/>
+          </a:stretch>
+        </p:blipFill>
+        <p:spPr>
+          <a:xfrm>
+            <a:off x="2560162" y="1690688"/>
+            <a:ext cx="7071676" cy="4351338"/>
+          </a:xfrm>
+        </p:spPr>
+      </p:pic>
+      <p:sp>
+        <p:nvSpPr>
+          <p:cNvPr id="3" name="Title 1">
+            <a:extLst>
+              <a:ext uri="{FF2B5EF4-FFF2-40B4-BE49-F238E27FC236}">
+                <a16:creationId xmlns:a16="http://schemas.microsoft.com/office/drawing/2014/main" id="{5FFC00A2-5C47-8F47-3ED5-305C44629303}"/>
+              </a:ext>
+            </a:extLst>
+          </p:cNvPr>
+          <p:cNvSpPr txBox="1">
+            <a:spLocks/>
+          </p:cNvSpPr>
+          <p:nvPr/>
+        </p:nvSpPr>
+        <p:spPr>
+          <a:xfrm>
+            <a:off x="8238586" y="6042026"/>
+            <a:ext cx="1502822" cy="654368"/>
+          </a:xfrm>
+          <a:prstGeom prst="rect">
+            <a:avLst/>
+          </a:prstGeom>
+        </p:spPr>
+        <p:txBody>
+          <a:bodyPr vert="horz" lIns="91440" tIns="45720" rIns="91440" bIns="45720" rtlCol="0" anchor="ctr">
+            <a:normAutofit/>
+          </a:bodyPr>
+          <a:lstStyle>
+            <a:lvl1pPr algn="l" defTabSz="914400" rtl="0" eaLnBrk="1" latinLnBrk="0" hangingPunct="1">
+              <a:lnSpc>
+                <a:spcPct val="90000"/>
+              </a:lnSpc>
+              <a:spcBef>
+                <a:spcPct val="0"/>
+              </a:spcBef>
+              <a:buNone/>
+              <a:defRPr sz="4400" kern="1200">
+                <a:solidFill>
+                  <a:schemeClr val="tx1"/>
+                </a:solidFill>
+                <a:latin typeface="+mj-lt"/>
+                <a:ea typeface="+mj-ea"/>
+                <a:cs typeface="+mj-cs"/>
+              </a:defRPr>
+            </a:lvl1pPr>
+          </a:lstStyle>
+          <a:p>
+            <a:r>
+              <a:rPr lang="en-US" sz="1800" dirty="0">
+                <a:solidFill>
+                  <a:schemeClr val="bg1">
+                    <a:lumMod val="65000"/>
+                  </a:schemeClr>
+                </a:solidFill>
+              </a:rPr>
               <a:t>Friston (2010)</a:t>
-            </a:r>
-          </a:p>
-          <a:p>
-            <a:r>
-              <a:rPr lang="en-US" dirty="0"/>
-              <a:t>Recognition density is a probabilistic representation of what caused a particular sensation.</a:t>
-            </a:r>
-          </a:p>
-          <a:p>
-            <a:pPr lvl="1"/>
-            <a:r>
-              <a:rPr lang="en-US" dirty="0"/>
-              <a:t>Could be encoded as neuronal activity &amp; connection strengths</a:t>
             </a:r>
           </a:p>
         </p:txBody>
@@ -3774,7 +5517,7 @@
     </p:spTree>
     <p:extLst>
       <p:ext uri="{BB962C8B-B14F-4D97-AF65-F5344CB8AC3E}">
-        <p14:creationId xmlns:p14="http://schemas.microsoft.com/office/powerpoint/2010/main" val="2418447667"/>
+        <p14:creationId xmlns:p14="http://schemas.microsoft.com/office/powerpoint/2010/main" val="3411027427"/>
       </p:ext>
     </p:extLst>
   </p:cSld>
@@ -3817,47 +5560,128 @@
             <p:ph type="title"/>
           </p:nvPr>
         </p:nvSpPr>
-        <p:spPr/>
-        <p:txBody>
-          <a:bodyPr/>
-          <a:lstStyle/>
-          <a:p>
-            <a:r>
-              <a:rPr lang="en-US" dirty="0"/>
-              <a:t>Reverse Engineering Approach</a:t>
-            </a:r>
-          </a:p>
-        </p:txBody>
-      </p:sp>
-      <p:sp>
-        <p:nvSpPr>
-          <p:cNvPr id="3" name="Content Placeholder 2">
-            <a:extLst>
-              <a:ext uri="{FF2B5EF4-FFF2-40B4-BE49-F238E27FC236}">
-                <a16:creationId xmlns:a16="http://schemas.microsoft.com/office/drawing/2014/main" id="{B83DC58C-0D91-1B9C-0756-968A19EB7540}"/>
-              </a:ext>
-            </a:extLst>
-          </p:cNvPr>
-          <p:cNvSpPr>
-            <a:spLocks noGrp="1"/>
-          </p:cNvSpPr>
+        <p:spPr>
+          <a:xfrm>
+            <a:off x="838200" y="365125"/>
+            <a:ext cx="8793638" cy="1325563"/>
+          </a:xfrm>
+        </p:spPr>
+        <p:txBody>
+          <a:bodyPr/>
+          <a:lstStyle/>
+          <a:p>
+            <a:r>
+              <a:rPr lang="en-US" dirty="0">
+                <a:solidFill>
+                  <a:schemeClr val="bg1">
+                    <a:lumMod val="65000"/>
+                  </a:schemeClr>
+                </a:solidFill>
+                <a:latin typeface="Bahnschrift" panose="020B0502040204020203" pitchFamily="34" charset="0"/>
+              </a:rPr>
+              <a:t>Gradient descent on free energy</a:t>
+            </a:r>
+          </a:p>
+        </p:txBody>
+      </p:sp>
+      <p:pic>
+        <p:nvPicPr>
+          <p:cNvPr id="5" name="Content Placeholder 4">
+            <a:extLst>
+              <a:ext uri="{FF2B5EF4-FFF2-40B4-BE49-F238E27FC236}">
+                <a16:creationId xmlns:a16="http://schemas.microsoft.com/office/drawing/2014/main" id="{3A3F493C-445E-16BD-DF44-12A907E87BE3}"/>
+              </a:ext>
+            </a:extLst>
+          </p:cNvPr>
+          <p:cNvPicPr>
+            <a:picLocks noGrp="1" noChangeAspect="1"/>
+          </p:cNvPicPr>
           <p:nvPr>
             <p:ph idx="1"/>
           </p:nvPr>
-        </p:nvSpPr>
-        <p:spPr/>
-        <p:txBody>
-          <a:bodyPr/>
-          <a:lstStyle/>
-          <a:p>
-            <a:endParaRPr lang="en-US"/>
+        </p:nvPicPr>
+        <p:blipFill>
+          <a:blip r:embed="rId3">
+            <a:extLst>
+              <a:ext uri="{28A0092B-C50C-407E-A947-70E740481C1C}">
+                <a14:useLocalDpi xmlns:a14="http://schemas.microsoft.com/office/drawing/2010/main" val="0"/>
+              </a:ext>
+            </a:extLst>
+          </a:blip>
+          <a:srcRect/>
+          <a:stretch/>
+        </p:blipFill>
+        <p:spPr>
+          <a:xfrm>
+            <a:off x="2560162" y="1690688"/>
+            <a:ext cx="7065899" cy="4222877"/>
+          </a:xfrm>
+        </p:spPr>
+      </p:pic>
+      <p:sp>
+        <p:nvSpPr>
+          <p:cNvPr id="3" name="Title 1">
+            <a:extLst>
+              <a:ext uri="{FF2B5EF4-FFF2-40B4-BE49-F238E27FC236}">
+                <a16:creationId xmlns:a16="http://schemas.microsoft.com/office/drawing/2014/main" id="{5FFC00A2-5C47-8F47-3ED5-305C44629303}"/>
+              </a:ext>
+            </a:extLst>
+          </p:cNvPr>
+          <p:cNvSpPr txBox="1">
+            <a:spLocks/>
+          </p:cNvSpPr>
+          <p:nvPr/>
+        </p:nvSpPr>
+        <p:spPr>
+          <a:xfrm>
+            <a:off x="8238586" y="6042026"/>
+            <a:ext cx="1502822" cy="654368"/>
+          </a:xfrm>
+          <a:prstGeom prst="rect">
+            <a:avLst/>
+          </a:prstGeom>
+        </p:spPr>
+        <p:txBody>
+          <a:bodyPr vert="horz" lIns="91440" tIns="45720" rIns="91440" bIns="45720" rtlCol="0" anchor="ctr">
+            <a:normAutofit/>
+          </a:bodyPr>
+          <a:lstStyle>
+            <a:lvl1pPr algn="l" defTabSz="914400" rtl="0" eaLnBrk="1" latinLnBrk="0" hangingPunct="1">
+              <a:lnSpc>
+                <a:spcPct val="90000"/>
+              </a:lnSpc>
+              <a:spcBef>
+                <a:spcPct val="0"/>
+              </a:spcBef>
+              <a:buNone/>
+              <a:defRPr sz="4400" kern="1200">
+                <a:solidFill>
+                  <a:schemeClr val="tx1"/>
+                </a:solidFill>
+                <a:latin typeface="+mj-lt"/>
+                <a:ea typeface="+mj-ea"/>
+                <a:cs typeface="+mj-cs"/>
+              </a:defRPr>
+            </a:lvl1pPr>
+          </a:lstStyle>
+          <a:p>
+            <a:r>
+              <a:rPr lang="en-US" sz="1800" dirty="0">
+                <a:solidFill>
+                  <a:schemeClr val="bg1">
+                    <a:lumMod val="65000"/>
+                  </a:schemeClr>
+                </a:solidFill>
+              </a:rPr>
+              <a:t>Friston (2010)</a:t>
+            </a:r>
           </a:p>
         </p:txBody>
       </p:sp>
     </p:spTree>
     <p:extLst>
       <p:ext uri="{BB962C8B-B14F-4D97-AF65-F5344CB8AC3E}">
-        <p14:creationId xmlns:p14="http://schemas.microsoft.com/office/powerpoint/2010/main" val="3254727654"/>
+        <p14:creationId xmlns:p14="http://schemas.microsoft.com/office/powerpoint/2010/main" val="524545988"/>
       </p:ext>
     </p:extLst>
   </p:cSld>
@@ -3906,8 +5730,10 @@
           <a:lstStyle/>
           <a:p>
             <a:r>
-              <a:rPr lang="en-US" dirty="0"/>
-              <a:t>Variational Bayes</a:t>
+              <a:rPr lang="en-US" dirty="0">
+                <a:latin typeface="Bahnschrift" panose="020B0502040204020203" pitchFamily="34" charset="0"/>
+              </a:rPr>
+              <a:t>FEP: a unified brain theory? (2010)</a:t>
             </a:r>
           </a:p>
         </p:txBody>
@@ -3928,19 +5754,50 @@
             <p:ph idx="1"/>
           </p:nvPr>
         </p:nvSpPr>
-        <p:spPr/>
-        <p:txBody>
-          <a:bodyPr/>
-          <a:lstStyle/>
-          <a:p>
-            <a:endParaRPr lang="en-US"/>
+        <p:spPr>
+          <a:xfrm>
+            <a:off x="838200" y="1825625"/>
+            <a:ext cx="9695688" cy="4351338"/>
+          </a:xfrm>
+        </p:spPr>
+        <p:txBody>
+          <a:bodyPr/>
+          <a:lstStyle/>
+          <a:p>
+            <a:r>
+              <a:rPr lang="en-US" dirty="0">
+                <a:latin typeface="Bahnschrift" panose="020B0502040204020203" pitchFamily="34" charset="0"/>
+              </a:rPr>
+              <a:t>Recognition is a probabilistic representation of what </a:t>
+            </a:r>
+            <a:r>
+              <a:rPr lang="en-US" i="1" dirty="0">
+                <a:latin typeface="Bahnschrift" panose="020B0502040204020203" pitchFamily="34" charset="0"/>
+              </a:rPr>
+              <a:t>caused</a:t>
+            </a:r>
+            <a:r>
+              <a:rPr lang="en-US" dirty="0">
+                <a:latin typeface="Bahnschrift" panose="020B0502040204020203" pitchFamily="34" charset="0"/>
+              </a:rPr>
+              <a:t> a particular sensation.</a:t>
+            </a:r>
+          </a:p>
+          <a:p>
+            <a:pPr lvl="1"/>
+            <a:r>
+              <a:rPr lang="en-US" dirty="0">
+                <a:latin typeface="Bahnschrift" panose="020B0502040204020203" pitchFamily="34" charset="0"/>
+              </a:rPr>
+              <a:t>Predictions about the environment can be encoded as neuronal activity &amp; connection strengths</a:t>
+            </a:r>
           </a:p>
         </p:txBody>
       </p:sp>
     </p:spTree>
     <p:extLst>
       <p:ext uri="{BB962C8B-B14F-4D97-AF65-F5344CB8AC3E}">
-        <p14:creationId xmlns:p14="http://schemas.microsoft.com/office/powerpoint/2010/main" val="2421232450"/>
+        <p14:creationId xmlns:p14="http://schemas.microsoft.com/office/powerpoint/2010/main" val="2418447667"/>
       </p:ext>
     </p:extLst>
   </p:cSld>
@@ -3989,8 +5846,10 @@
           <a:lstStyle/>
           <a:p>
             <a:r>
-              <a:rPr lang="en-US" dirty="0"/>
-              <a:t>POMDP Generative Model</a:t>
+              <a:rPr lang="en-US" dirty="0">
+                <a:latin typeface="Bahnschrift" panose="020B0502040204020203" pitchFamily="34" charset="0"/>
+              </a:rPr>
+              <a:t>FEP: a unified brain theory? (2010)</a:t>
             </a:r>
           </a:p>
         </p:txBody>
@@ -4011,19 +5870,155 @@
             <p:ph idx="1"/>
           </p:nvPr>
         </p:nvSpPr>
-        <p:spPr/>
-        <p:txBody>
-          <a:bodyPr/>
-          <a:lstStyle/>
-          <a:p>
-            <a:endParaRPr lang="en-US"/>
+        <p:spPr>
+          <a:xfrm>
+            <a:off x="838200" y="1825625"/>
+            <a:ext cx="9695688" cy="4351338"/>
+          </a:xfrm>
+        </p:spPr>
+        <p:txBody>
+          <a:bodyPr/>
+          <a:lstStyle/>
+          <a:p>
+            <a:r>
+              <a:rPr lang="en-US" dirty="0">
+                <a:latin typeface="Bahnschrift" panose="020B0502040204020203" pitchFamily="34" charset="0"/>
+              </a:rPr>
+              <a:t>Free energy principle fits with:</a:t>
+            </a:r>
+          </a:p>
+          <a:p>
+            <a:pPr lvl="1"/>
+            <a:r>
+              <a:rPr lang="en-US" dirty="0">
+                <a:latin typeface="Bahnschrift" panose="020B0502040204020203" pitchFamily="34" charset="0"/>
+              </a:rPr>
+              <a:t>Bayesian brain</a:t>
+            </a:r>
+          </a:p>
+          <a:p>
+            <a:pPr lvl="1"/>
+            <a:r>
+              <a:rPr lang="en-US" dirty="0">
+                <a:latin typeface="Bahnschrift" panose="020B0502040204020203" pitchFamily="34" charset="0"/>
+              </a:rPr>
+              <a:t>Predictive coding</a:t>
+            </a:r>
+          </a:p>
+          <a:p>
+            <a:pPr lvl="1"/>
+            <a:endParaRPr lang="en-US" dirty="0">
+              <a:latin typeface="Bahnschrift" panose="020B0502040204020203" pitchFamily="34" charset="0"/>
+            </a:endParaRPr>
           </a:p>
         </p:txBody>
       </p:sp>
     </p:spTree>
     <p:extLst>
       <p:ext uri="{BB962C8B-B14F-4D97-AF65-F5344CB8AC3E}">
-        <p14:creationId xmlns:p14="http://schemas.microsoft.com/office/powerpoint/2010/main" val="74422018"/>
+        <p14:creationId xmlns:p14="http://schemas.microsoft.com/office/powerpoint/2010/main" val="275925764"/>
+      </p:ext>
+    </p:extLst>
+  </p:cSld>
+  <p:clrMapOvr>
+    <a:masterClrMapping/>
+  </p:clrMapOvr>
+</p:sld>
+</file>
+
+<file path=ppt/slides/slide9.xml><?xml version="1.0" encoding="utf-8"?>
+<p:sld xmlns:a="http://schemas.openxmlformats.org/drawingml/2006/main" xmlns:r="http://schemas.openxmlformats.org/officeDocument/2006/relationships" xmlns:p="http://schemas.openxmlformats.org/presentationml/2006/main">
+  <p:cSld>
+    <p:spTree>
+      <p:nvGrpSpPr>
+        <p:cNvPr id="1" name=""/>
+        <p:cNvGrpSpPr/>
+        <p:nvPr/>
+      </p:nvGrpSpPr>
+      <p:grpSpPr>
+        <a:xfrm>
+          <a:off x="0" y="0"/>
+          <a:ext cx="0" cy="0"/>
+          <a:chOff x="0" y="0"/>
+          <a:chExt cx="0" cy="0"/>
+        </a:xfrm>
+      </p:grpSpPr>
+      <p:sp>
+        <p:nvSpPr>
+          <p:cNvPr id="2" name="Title 1">
+            <a:extLst>
+              <a:ext uri="{FF2B5EF4-FFF2-40B4-BE49-F238E27FC236}">
+                <a16:creationId xmlns:a16="http://schemas.microsoft.com/office/drawing/2014/main" id="{9CB50B83-9A92-9E9F-3E8D-54BEADE9E2E0}"/>
+              </a:ext>
+            </a:extLst>
+          </p:cNvPr>
+          <p:cNvSpPr>
+            <a:spLocks noGrp="1"/>
+          </p:cNvSpPr>
+          <p:nvPr>
+            <p:ph type="title"/>
+          </p:nvPr>
+        </p:nvSpPr>
+        <p:spPr/>
+        <p:txBody>
+          <a:bodyPr/>
+          <a:lstStyle/>
+          <a:p>
+            <a:r>
+              <a:rPr lang="en-US" dirty="0">
+                <a:latin typeface="Bahnschrift" panose="020B0502040204020203" pitchFamily="34" charset="0"/>
+              </a:rPr>
+              <a:t>Isomura et al. (2023)</a:t>
+            </a:r>
+          </a:p>
+        </p:txBody>
+      </p:sp>
+      <p:sp>
+        <p:nvSpPr>
+          <p:cNvPr id="3" name="Content Placeholder 2">
+            <a:extLst>
+              <a:ext uri="{FF2B5EF4-FFF2-40B4-BE49-F238E27FC236}">
+                <a16:creationId xmlns:a16="http://schemas.microsoft.com/office/drawing/2014/main" id="{B83DC58C-0D91-1B9C-0756-968A19EB7540}"/>
+              </a:ext>
+            </a:extLst>
+          </p:cNvPr>
+          <p:cNvSpPr>
+            <a:spLocks noGrp="1"/>
+          </p:cNvSpPr>
+          <p:nvPr>
+            <p:ph idx="1"/>
+          </p:nvPr>
+        </p:nvSpPr>
+        <p:spPr/>
+        <p:txBody>
+          <a:bodyPr/>
+          <a:lstStyle/>
+          <a:p>
+            <a:r>
+              <a:rPr lang="en-US" dirty="0"/>
+              <a:t>Attempts to validate the FEP in vitro</a:t>
+            </a:r>
+          </a:p>
+          <a:p>
+            <a:pPr lvl="1"/>
+            <a:r>
+              <a:rPr lang="en-US" dirty="0"/>
+              <a:t>Cultured “neuronal network”</a:t>
+            </a:r>
+          </a:p>
+          <a:p>
+            <a:pPr lvl="1"/>
+            <a:r>
+              <a:rPr lang="en-US" dirty="0"/>
+              <a:t>Partially Observable Markov Decision Process (POMDP)</a:t>
+            </a:r>
+          </a:p>
+        </p:txBody>
+      </p:sp>
+    </p:spTree>
+    <p:extLst>
+      <p:ext uri="{BB962C8B-B14F-4D97-AF65-F5344CB8AC3E}">
+        <p14:creationId xmlns:p14="http://schemas.microsoft.com/office/powerpoint/2010/main" val="3254727654"/>
       </p:ext>
     </p:extLst>
   </p:cSld>
@@ -4346,4 +6341,319 @@
     </a:ext>
   </a:extLst>
 </a:theme>
+</file>
+
+<file path=ppt/theme/theme2.xml><?xml version="1.0" encoding="utf-8"?>
+<a:theme xmlns:a="http://schemas.openxmlformats.org/drawingml/2006/main" name="Office Theme">
+  <a:themeElements>
+    <a:clrScheme name="Office">
+      <a:dk1>
+        <a:sysClr val="windowText" lastClr="000000"/>
+      </a:dk1>
+      <a:lt1>
+        <a:sysClr val="window" lastClr="FFFFFF"/>
+      </a:lt1>
+      <a:dk2>
+        <a:srgbClr val="0E2841"/>
+      </a:dk2>
+      <a:lt2>
+        <a:srgbClr val="E8E8E8"/>
+      </a:lt2>
+      <a:accent1>
+        <a:srgbClr val="156082"/>
+      </a:accent1>
+      <a:accent2>
+        <a:srgbClr val="E97132"/>
+      </a:accent2>
+      <a:accent3>
+        <a:srgbClr val="196B24"/>
+      </a:accent3>
+      <a:accent4>
+        <a:srgbClr val="0F9ED5"/>
+      </a:accent4>
+      <a:accent5>
+        <a:srgbClr val="A02B93"/>
+      </a:accent5>
+      <a:accent6>
+        <a:srgbClr val="4EA72E"/>
+      </a:accent6>
+      <a:hlink>
+        <a:srgbClr val="467886"/>
+      </a:hlink>
+      <a:folHlink>
+        <a:srgbClr val="96607D"/>
+      </a:folHlink>
+    </a:clrScheme>
+    <a:fontScheme name="Office">
+      <a:majorFont>
+        <a:latin typeface="Aptos Display" panose="02110004020202020204"/>
+        <a:ea typeface=""/>
+        <a:cs typeface=""/>
+        <a:font script="Jpan" typeface="游ゴシック Light"/>
+        <a:font script="Hang" typeface="맑은 고딕"/>
+        <a:font script="Hans" typeface="等线 Light"/>
+        <a:font script="Hant" typeface="新細明體"/>
+        <a:font script="Arab" typeface="Times New Roman"/>
+        <a:font script="Hebr" typeface="Times New Roman"/>
+        <a:font script="Thai" typeface="Angsana New"/>
+        <a:font script="Ethi" typeface="Nyala"/>
+        <a:font script="Beng" typeface="Vrinda"/>
+        <a:font script="Gujr" typeface="Shruti"/>
+        <a:font script="Khmr" typeface="MoolBoran"/>
+        <a:font script="Knda" typeface="Tunga"/>
+        <a:font script="Guru" typeface="Raavi"/>
+        <a:font script="Cans" typeface="Euphemia"/>
+        <a:font script="Cher" typeface="Plantagenet Cherokee"/>
+        <a:font script="Yiii" typeface="Microsoft Yi Baiti"/>
+        <a:font script="Tibt" typeface="Microsoft Himalaya"/>
+        <a:font script="Thaa" typeface="MV Boli"/>
+        <a:font script="Deva" typeface="Mangal"/>
+        <a:font script="Telu" typeface="Gautami"/>
+        <a:font script="Taml" typeface="Latha"/>
+        <a:font script="Syrc" typeface="Estrangelo Edessa"/>
+        <a:font script="Orya" typeface="Kalinga"/>
+        <a:font script="Mlym" typeface="Kartika"/>
+        <a:font script="Laoo" typeface="DokChampa"/>
+        <a:font script="Sinh" typeface="Iskoola Pota"/>
+        <a:font script="Mong" typeface="Mongolian Baiti"/>
+        <a:font script="Viet" typeface="Times New Roman"/>
+        <a:font script="Uigh" typeface="Microsoft Uighur"/>
+        <a:font script="Geor" typeface="Sylfaen"/>
+        <a:font script="Armn" typeface="Arial"/>
+        <a:font script="Bugi" typeface="Leelawadee UI"/>
+        <a:font script="Bopo" typeface="Microsoft JhengHei"/>
+        <a:font script="Java" typeface="Javanese Text"/>
+        <a:font script="Lisu" typeface="Segoe UI"/>
+        <a:font script="Mymr" typeface="Myanmar Text"/>
+        <a:font script="Nkoo" typeface="Ebrima"/>
+        <a:font script="Olck" typeface="Nirmala UI"/>
+        <a:font script="Osma" typeface="Ebrima"/>
+        <a:font script="Phag" typeface="Phagspa"/>
+        <a:font script="Syrn" typeface="Estrangelo Edessa"/>
+        <a:font script="Syrj" typeface="Estrangelo Edessa"/>
+        <a:font script="Syre" typeface="Estrangelo Edessa"/>
+        <a:font script="Sora" typeface="Nirmala UI"/>
+        <a:font script="Tale" typeface="Microsoft Tai Le"/>
+        <a:font script="Talu" typeface="Microsoft New Tai Lue"/>
+        <a:font script="Tfng" typeface="Ebrima"/>
+      </a:majorFont>
+      <a:minorFont>
+        <a:latin typeface="Aptos" panose="02110004020202020204"/>
+        <a:ea typeface=""/>
+        <a:cs typeface=""/>
+        <a:font script="Jpan" typeface="游ゴシック"/>
+        <a:font script="Hang" typeface="맑은 고딕"/>
+        <a:font script="Hans" typeface="等线"/>
+        <a:font script="Hant" typeface="新細明體"/>
+        <a:font script="Arab" typeface="Arial"/>
+        <a:font script="Hebr" typeface="Arial"/>
+        <a:font script="Thai" typeface="Cordia New"/>
+        <a:font script="Ethi" typeface="Nyala"/>
+        <a:font script="Beng" typeface="Vrinda"/>
+        <a:font script="Gujr" typeface="Shruti"/>
+        <a:font script="Khmr" typeface="DaunPenh"/>
+        <a:font script="Knda" typeface="Tunga"/>
+        <a:font script="Guru" typeface="Raavi"/>
+        <a:font script="Cans" typeface="Euphemia"/>
+        <a:font script="Cher" typeface="Plantagenet Cherokee"/>
+        <a:font script="Yiii" typeface="Microsoft Yi Baiti"/>
+        <a:font script="Tibt" typeface="Microsoft Himalaya"/>
+        <a:font script="Thaa" typeface="MV Boli"/>
+        <a:font script="Deva" typeface="Mangal"/>
+        <a:font script="Telu" typeface="Gautami"/>
+        <a:font script="Taml" typeface="Latha"/>
+        <a:font script="Syrc" typeface="Estrangelo Edessa"/>
+        <a:font script="Orya" typeface="Kalinga"/>
+        <a:font script="Mlym" typeface="Kartika"/>
+        <a:font script="Laoo" typeface="DokChampa"/>
+        <a:font script="Sinh" typeface="Iskoola Pota"/>
+        <a:font script="Mong" typeface="Mongolian Baiti"/>
+        <a:font script="Viet" typeface="Arial"/>
+        <a:font script="Uigh" typeface="Microsoft Uighur"/>
+        <a:font script="Geor" typeface="Sylfaen"/>
+        <a:font script="Armn" typeface="Arial"/>
+        <a:font script="Bugi" typeface="Leelawadee UI"/>
+        <a:font script="Bopo" typeface="Microsoft JhengHei"/>
+        <a:font script="Java" typeface="Javanese Text"/>
+        <a:font script="Lisu" typeface="Segoe UI"/>
+        <a:font script="Mymr" typeface="Myanmar Text"/>
+        <a:font script="Nkoo" typeface="Ebrima"/>
+        <a:font script="Olck" typeface="Nirmala UI"/>
+        <a:font script="Osma" typeface="Ebrima"/>
+        <a:font script="Phag" typeface="Phagspa"/>
+        <a:font script="Syrn" typeface="Estrangelo Edessa"/>
+        <a:font script="Syrj" typeface="Estrangelo Edessa"/>
+        <a:font script="Syre" typeface="Estrangelo Edessa"/>
+        <a:font script="Sora" typeface="Nirmala UI"/>
+        <a:font script="Tale" typeface="Microsoft Tai Le"/>
+        <a:font script="Talu" typeface="Microsoft New Tai Lue"/>
+        <a:font script="Tfng" typeface="Ebrima"/>
+      </a:minorFont>
+    </a:fontScheme>
+    <a:fmtScheme name="Office">
+      <a:fillStyleLst>
+        <a:solidFill>
+          <a:schemeClr val="phClr"/>
+        </a:solidFill>
+        <a:gradFill rotWithShape="1">
+          <a:gsLst>
+            <a:gs pos="0">
+              <a:schemeClr val="phClr">
+                <a:lumMod val="110000"/>
+                <a:satMod val="105000"/>
+                <a:tint val="67000"/>
+              </a:schemeClr>
+            </a:gs>
+            <a:gs pos="50000">
+              <a:schemeClr val="phClr">
+                <a:lumMod val="105000"/>
+                <a:satMod val="103000"/>
+                <a:tint val="73000"/>
+              </a:schemeClr>
+            </a:gs>
+            <a:gs pos="100000">
+              <a:schemeClr val="phClr">
+                <a:lumMod val="105000"/>
+                <a:satMod val="109000"/>
+                <a:tint val="81000"/>
+              </a:schemeClr>
+            </a:gs>
+          </a:gsLst>
+          <a:lin ang="5400000" scaled="0"/>
+        </a:gradFill>
+        <a:gradFill rotWithShape="1">
+          <a:gsLst>
+            <a:gs pos="0">
+              <a:schemeClr val="phClr">
+                <a:satMod val="103000"/>
+                <a:lumMod val="102000"/>
+                <a:tint val="94000"/>
+              </a:schemeClr>
+            </a:gs>
+            <a:gs pos="50000">
+              <a:schemeClr val="phClr">
+                <a:satMod val="110000"/>
+                <a:lumMod val="100000"/>
+                <a:shade val="100000"/>
+              </a:schemeClr>
+            </a:gs>
+            <a:gs pos="100000">
+              <a:schemeClr val="phClr">
+                <a:lumMod val="99000"/>
+                <a:satMod val="120000"/>
+                <a:shade val="78000"/>
+              </a:schemeClr>
+            </a:gs>
+          </a:gsLst>
+          <a:lin ang="5400000" scaled="0"/>
+        </a:gradFill>
+      </a:fillStyleLst>
+      <a:lnStyleLst>
+        <a:ln w="12700" cap="flat" cmpd="sng" algn="ctr">
+          <a:solidFill>
+            <a:schemeClr val="phClr"/>
+          </a:solidFill>
+          <a:prstDash val="solid"/>
+          <a:miter lim="800000"/>
+        </a:ln>
+        <a:ln w="19050" cap="flat" cmpd="sng" algn="ctr">
+          <a:solidFill>
+            <a:schemeClr val="phClr"/>
+          </a:solidFill>
+          <a:prstDash val="solid"/>
+          <a:miter lim="800000"/>
+        </a:ln>
+        <a:ln w="25400" cap="flat" cmpd="sng" algn="ctr">
+          <a:solidFill>
+            <a:schemeClr val="phClr"/>
+          </a:solidFill>
+          <a:prstDash val="solid"/>
+          <a:miter lim="800000"/>
+        </a:ln>
+      </a:lnStyleLst>
+      <a:effectStyleLst>
+        <a:effectStyle>
+          <a:effectLst/>
+        </a:effectStyle>
+        <a:effectStyle>
+          <a:effectLst/>
+        </a:effectStyle>
+        <a:effectStyle>
+          <a:effectLst>
+            <a:outerShdw blurRad="57150" dist="19050" dir="5400000" algn="ctr" rotWithShape="0">
+              <a:srgbClr val="000000">
+                <a:alpha val="63000"/>
+              </a:srgbClr>
+            </a:outerShdw>
+          </a:effectLst>
+        </a:effectStyle>
+      </a:effectStyleLst>
+      <a:bgFillStyleLst>
+        <a:solidFill>
+          <a:schemeClr val="phClr"/>
+        </a:solidFill>
+        <a:solidFill>
+          <a:schemeClr val="phClr">
+            <a:tint val="95000"/>
+            <a:satMod val="170000"/>
+          </a:schemeClr>
+        </a:solidFill>
+        <a:gradFill rotWithShape="1">
+          <a:gsLst>
+            <a:gs pos="0">
+              <a:schemeClr val="phClr">
+                <a:tint val="93000"/>
+                <a:satMod val="150000"/>
+                <a:shade val="98000"/>
+                <a:lumMod val="102000"/>
+              </a:schemeClr>
+            </a:gs>
+            <a:gs pos="50000">
+              <a:schemeClr val="phClr">
+                <a:tint val="98000"/>
+                <a:satMod val="130000"/>
+                <a:shade val="90000"/>
+                <a:lumMod val="103000"/>
+              </a:schemeClr>
+            </a:gs>
+            <a:gs pos="100000">
+              <a:schemeClr val="phClr">
+                <a:shade val="63000"/>
+                <a:satMod val="120000"/>
+              </a:schemeClr>
+            </a:gs>
+          </a:gsLst>
+          <a:lin ang="5400000" scaled="0"/>
+        </a:gradFill>
+      </a:bgFillStyleLst>
+    </a:fmtScheme>
+  </a:themeElements>
+  <a:objectDefaults>
+    <a:lnDef>
+      <a:spPr/>
+      <a:bodyPr/>
+      <a:lstStyle/>
+      <a:style>
+        <a:lnRef idx="2">
+          <a:schemeClr val="accent1"/>
+        </a:lnRef>
+        <a:fillRef idx="0">
+          <a:schemeClr val="accent1"/>
+        </a:fillRef>
+        <a:effectRef idx="1">
+          <a:schemeClr val="accent1"/>
+        </a:effectRef>
+        <a:fontRef idx="minor">
+          <a:schemeClr val="tx1"/>
+        </a:fontRef>
+      </a:style>
+    </a:lnDef>
+  </a:objectDefaults>
+  <a:extraClrSchemeLst/>
+  <a:extLst>
+    <a:ext uri="{05A4C25C-085E-4340-85A3-A5531E510DB2}">
+      <thm15:themeFamily xmlns:thm15="http://schemas.microsoft.com/office/thememl/2012/main" name="Office Theme" id="{2E142A2C-CD16-42D6-873A-C26D2A0506FA}" vid="{1BDDFF52-6CD6-40A5-AB3C-68EB2F1E4D0A}"/>
+    </a:ext>
+  </a:extLst>
+</a:theme>
 </file>